--- a/2 курс/4 семестр/Языки программирования для статистической обработки данных R/Курсовая_работа_КимКС.pptx
+++ b/2 курс/4 семестр/Языки программирования для статистической обработки данных R/Курсовая_работа_КимКС.pptx
@@ -5,25 +5,26 @@
     <p:sldMasterId id="2147483678" r:id="rId1"/>
   </p:sldMasterIdLst>
   <p:notesMasterIdLst>
-    <p:notesMasterId r:id="rId18"/>
+    <p:notesMasterId r:id="rId19"/>
   </p:notesMasterIdLst>
   <p:sldIdLst>
     <p:sldId id="256" r:id="rId2"/>
     <p:sldId id="257" r:id="rId3"/>
     <p:sldId id="270" r:id="rId4"/>
     <p:sldId id="282" r:id="rId5"/>
-    <p:sldId id="272" r:id="rId6"/>
-    <p:sldId id="280" r:id="rId7"/>
-    <p:sldId id="279" r:id="rId8"/>
-    <p:sldId id="259" r:id="rId9"/>
-    <p:sldId id="283" r:id="rId10"/>
-    <p:sldId id="284" r:id="rId11"/>
-    <p:sldId id="261" r:id="rId12"/>
-    <p:sldId id="281" r:id="rId13"/>
-    <p:sldId id="267" r:id="rId14"/>
-    <p:sldId id="276" r:id="rId15"/>
-    <p:sldId id="269" r:id="rId16"/>
-    <p:sldId id="263" r:id="rId17"/>
+    <p:sldId id="285" r:id="rId6"/>
+    <p:sldId id="272" r:id="rId7"/>
+    <p:sldId id="280" r:id="rId8"/>
+    <p:sldId id="279" r:id="rId9"/>
+    <p:sldId id="259" r:id="rId10"/>
+    <p:sldId id="283" r:id="rId11"/>
+    <p:sldId id="284" r:id="rId12"/>
+    <p:sldId id="261" r:id="rId13"/>
+    <p:sldId id="281" r:id="rId14"/>
+    <p:sldId id="267" r:id="rId15"/>
+    <p:sldId id="276" r:id="rId16"/>
+    <p:sldId id="269" r:id="rId17"/>
+    <p:sldId id="263" r:id="rId18"/>
   </p:sldIdLst>
   <p:sldSz cx="12192000" cy="6858000"/>
   <p:notesSz cx="6858000" cy="9144000"/>
@@ -797,7 +798,7 @@
           <a:p>
             <a:fld id="{4F0D8475-DD3E-4461-9E3F-3A21803D48D4}" type="slidenum">
               <a:rPr lang="ru-RU" smtClean="0"/>
-              <a:t>5</a:t>
+              <a:t>6</a:t>
             </a:fld>
             <a:endParaRPr lang="ru-RU"/>
           </a:p>
@@ -881,7 +882,7 @@
           <a:p>
             <a:fld id="{4F0D8475-DD3E-4461-9E3F-3A21803D48D4}" type="slidenum">
               <a:rPr lang="ru-RU" smtClean="0"/>
-              <a:t>8</a:t>
+              <a:t>9</a:t>
             </a:fld>
             <a:endParaRPr lang="ru-RU"/>
           </a:p>
@@ -965,7 +966,7 @@
           <a:p>
             <a:fld id="{4F0D8475-DD3E-4461-9E3F-3A21803D48D4}" type="slidenum">
               <a:rPr lang="ru-RU" smtClean="0"/>
-              <a:t>11</a:t>
+              <a:t>12</a:t>
             </a:fld>
             <a:endParaRPr lang="ru-RU"/>
           </a:p>
@@ -1049,7 +1050,7 @@
           <a:p>
             <a:fld id="{4F0D8475-DD3E-4461-9E3F-3A21803D48D4}" type="slidenum">
               <a:rPr lang="ru-RU" smtClean="0"/>
-              <a:t>13</a:t>
+              <a:t>14</a:t>
             </a:fld>
             <a:endParaRPr lang="ru-RU"/>
           </a:p>
@@ -1133,7 +1134,7 @@
           <a:p>
             <a:fld id="{4F0D8475-DD3E-4461-9E3F-3A21803D48D4}" type="slidenum">
               <a:rPr lang="ru-RU" smtClean="0"/>
-              <a:t>14</a:t>
+              <a:t>15</a:t>
             </a:fld>
             <a:endParaRPr lang="ru-RU"/>
           </a:p>
@@ -1217,7 +1218,7 @@
           <a:p>
             <a:fld id="{4F0D8475-DD3E-4461-9E3F-3A21803D48D4}" type="slidenum">
               <a:rPr lang="ru-RU" smtClean="0"/>
-              <a:t>15</a:t>
+              <a:t>16</a:t>
             </a:fld>
             <a:endParaRPr lang="ru-RU"/>
           </a:p>
@@ -5281,6 +5282,230 @@
           <p:cNvPr id="2" name="Заголовок 1">
             <a:extLst>
               <a:ext uri="{FF2B5EF4-FFF2-40B4-BE49-F238E27FC236}">
+                <a16:creationId xmlns:a16="http://schemas.microsoft.com/office/drawing/2014/main" id="{EB37C43F-3201-CE65-8812-529EF4536E11}"/>
+              </a:ext>
+            </a:extLst>
+          </p:cNvPr>
+          <p:cNvSpPr>
+            <a:spLocks noGrp="1"/>
+          </p:cNvSpPr>
+          <p:nvPr>
+            <p:ph type="title"/>
+          </p:nvPr>
+        </p:nvSpPr>
+        <p:spPr/>
+        <p:txBody>
+          <a:bodyPr/>
+          <a:lstStyle/>
+          <a:p>
+            <a:pPr algn="ctr"/>
+            <a:r>
+              <a:rPr lang="ru-RU" sz="4400" dirty="0">
+                <a:solidFill>
+                  <a:schemeClr val="tx1"/>
+                </a:solidFill>
+                <a:latin typeface="Times New Roman" panose="02020603050405020304" pitchFamily="18" charset="0"/>
+                <a:cs typeface="Times New Roman" panose="02020603050405020304" pitchFamily="18" charset="0"/>
+              </a:rPr>
+              <a:t>Данные в </a:t>
+            </a:r>
+            <a:r>
+              <a:rPr lang="en-US" sz="4400" dirty="0">
+                <a:solidFill>
+                  <a:schemeClr val="tx1"/>
+                </a:solidFill>
+                <a:latin typeface="Times New Roman" panose="02020603050405020304" pitchFamily="18" charset="0"/>
+                <a:cs typeface="Times New Roman" panose="02020603050405020304" pitchFamily="18" charset="0"/>
+              </a:rPr>
+              <a:t>R</a:t>
+            </a:r>
+            <a:endParaRPr lang="ru-RU" dirty="0"/>
+          </a:p>
+        </p:txBody>
+      </p:sp>
+      <p:pic>
+        <p:nvPicPr>
+          <p:cNvPr id="4" name="Объект 3">
+            <a:extLst>
+              <a:ext uri="{FF2B5EF4-FFF2-40B4-BE49-F238E27FC236}">
+                <a16:creationId xmlns:a16="http://schemas.microsoft.com/office/drawing/2014/main" id="{F57472EA-EA5C-4D6F-3FF4-87B289CF3092}"/>
+              </a:ext>
+            </a:extLst>
+          </p:cNvPr>
+          <p:cNvPicPr>
+            <a:picLocks noGrp="1" noChangeAspect="1"/>
+          </p:cNvPicPr>
+          <p:nvPr>
+            <p:ph idx="1"/>
+          </p:nvPr>
+        </p:nvPicPr>
+        <p:blipFill>
+          <a:blip r:embed="rId2"/>
+          <a:stretch>
+            <a:fillRect/>
+          </a:stretch>
+        </p:blipFill>
+        <p:spPr>
+          <a:xfrm>
+            <a:off x="4101300" y="2134479"/>
+            <a:ext cx="3989399" cy="3590459"/>
+          </a:xfrm>
+          <a:prstGeom prst="rect">
+            <a:avLst/>
+          </a:prstGeom>
+        </p:spPr>
+      </p:pic>
+      <p:sp>
+        <p:nvSpPr>
+          <p:cNvPr id="6" name="TextBox 5">
+            <a:extLst>
+              <a:ext uri="{FF2B5EF4-FFF2-40B4-BE49-F238E27FC236}">
+                <a16:creationId xmlns:a16="http://schemas.microsoft.com/office/drawing/2014/main" id="{D0F6FB31-3D3E-4E52-4883-3F2EC219B65E}"/>
+              </a:ext>
+            </a:extLst>
+          </p:cNvPr>
+          <p:cNvSpPr txBox="1"/>
+          <p:nvPr/>
+        </p:nvSpPr>
+        <p:spPr>
+          <a:xfrm>
+            <a:off x="3047999" y="5724938"/>
+            <a:ext cx="6096000" cy="498663"/>
+          </a:xfrm>
+          <a:prstGeom prst="rect">
+            <a:avLst/>
+          </a:prstGeom>
+          <a:noFill/>
+        </p:spPr>
+        <p:txBody>
+          <a:bodyPr wrap="square">
+            <a:spAutoFit/>
+          </a:bodyPr>
+          <a:lstStyle/>
+          <a:p>
+            <a:pPr algn="ctr">
+              <a:lnSpc>
+                <a:spcPct val="150000"/>
+              </a:lnSpc>
+            </a:pPr>
+            <a:r>
+              <a:rPr lang="ru-RU" sz="1800" b="1" kern="100" dirty="0">
+                <a:effectLst/>
+                <a:latin typeface="Times New Roman" panose="02020603050405020304" pitchFamily="18" charset="0"/>
+                <a:ea typeface="Calibri" panose="020F0502020204030204" pitchFamily="34" charset="0"/>
+                <a:cs typeface="Mangal" panose="02040503050203030202" pitchFamily="18" charset="0"/>
+              </a:rPr>
+              <a:t>Рисунок 2 </a:t>
+            </a:r>
+            <a:r>
+              <a:rPr lang="ru-RU" sz="2000" b="1" kern="100" dirty="0">
+                <a:effectLst/>
+                <a:latin typeface="Times New Roman" panose="02020603050405020304" pitchFamily="18" charset="0"/>
+                <a:ea typeface="Calibri" panose="020F0502020204030204" pitchFamily="34" charset="0"/>
+                <a:cs typeface="Mangal" panose="02040503050203030202" pitchFamily="18" charset="0"/>
+              </a:rPr>
+              <a:t>—</a:t>
+            </a:r>
+            <a:r>
+              <a:rPr lang="ru-RU" sz="1800" b="1" kern="100" dirty="0">
+                <a:effectLst/>
+                <a:latin typeface="Times New Roman" panose="02020603050405020304" pitchFamily="18" charset="0"/>
+                <a:ea typeface="Calibri" panose="020F0502020204030204" pitchFamily="34" charset="0"/>
+                <a:cs typeface="Mangal" panose="02040503050203030202" pitchFamily="18" charset="0"/>
+              </a:rPr>
+              <a:t> Набор данных без максимум и минимум</a:t>
+            </a:r>
+            <a:endParaRPr lang="ru-RU" sz="2000" kern="100" dirty="0">
+              <a:effectLst/>
+              <a:latin typeface="Times New Roman" panose="02020603050405020304" pitchFamily="18" charset="0"/>
+              <a:ea typeface="Calibri" panose="020F0502020204030204" pitchFamily="34" charset="0"/>
+              <a:cs typeface="Mangal" panose="02040503050203030202" pitchFamily="18" charset="0"/>
+            </a:endParaRPr>
+          </a:p>
+        </p:txBody>
+      </p:sp>
+      <p:pic>
+        <p:nvPicPr>
+          <p:cNvPr id="3" name="Picture 8" descr="https://upload.wikimedia.org/wikipedia/commons/9/93/MIREA_logo.png">
+            <a:extLst>
+              <a:ext uri="{FF2B5EF4-FFF2-40B4-BE49-F238E27FC236}">
+                <a16:creationId xmlns:a16="http://schemas.microsoft.com/office/drawing/2014/main" id="{67D3D875-3C97-A02E-B77B-0032118AD7A5}"/>
+              </a:ext>
+            </a:extLst>
+          </p:cNvPr>
+          <p:cNvPicPr>
+            <a:picLocks noChangeAspect="1" noChangeArrowheads="1"/>
+          </p:cNvPicPr>
+          <p:nvPr/>
+        </p:nvPicPr>
+        <p:blipFill>
+          <a:blip r:embed="rId3" cstate="print">
+            <a:extLst>
+              <a:ext uri="{28A0092B-C50C-407E-A947-70E740481C1C}">
+                <a14:useLocalDpi xmlns:a14="http://schemas.microsoft.com/office/drawing/2010/main" val="0"/>
+              </a:ext>
+            </a:extLst>
+          </a:blip>
+          <a:srcRect/>
+          <a:stretch>
+            <a:fillRect/>
+          </a:stretch>
+        </p:blipFill>
+        <p:spPr bwMode="auto">
+          <a:xfrm>
+            <a:off x="10799117" y="1"/>
+            <a:ext cx="1391296" cy="1391800"/>
+          </a:xfrm>
+          <a:prstGeom prst="rect">
+            <a:avLst/>
+          </a:prstGeom>
+          <a:noFill/>
+          <a:extLst>
+            <a:ext uri="{909E8E84-426E-40DD-AFC4-6F175D3DCCD1}">
+              <a14:hiddenFill xmlns:a14="http://schemas.microsoft.com/office/drawing/2010/main">
+                <a:solidFill>
+                  <a:srgbClr val="FFFFFF"/>
+                </a:solidFill>
+              </a14:hiddenFill>
+            </a:ext>
+          </a:extLst>
+        </p:spPr>
+      </p:pic>
+    </p:spTree>
+    <p:extLst>
+      <p:ext uri="{BB962C8B-B14F-4D97-AF65-F5344CB8AC3E}">
+        <p14:creationId xmlns:p14="http://schemas.microsoft.com/office/powerpoint/2010/main" val="2325736706"/>
+      </p:ext>
+    </p:extLst>
+  </p:cSld>
+  <p:clrMapOvr>
+    <a:masterClrMapping/>
+  </p:clrMapOvr>
+</p:sld>
+</file>
+
+<file path=ppt/slides/slide11.xml><?xml version="1.0" encoding="utf-8"?>
+<p:sld xmlns:a="http://schemas.openxmlformats.org/drawingml/2006/main" xmlns:r="http://schemas.openxmlformats.org/officeDocument/2006/relationships" xmlns:p="http://schemas.openxmlformats.org/presentationml/2006/main">
+  <p:cSld>
+    <p:spTree>
+      <p:nvGrpSpPr>
+        <p:cNvPr id="1" name=""/>
+        <p:cNvGrpSpPr/>
+        <p:nvPr/>
+      </p:nvGrpSpPr>
+      <p:grpSpPr>
+        <a:xfrm>
+          <a:off x="0" y="0"/>
+          <a:ext cx="0" cy="0"/>
+          <a:chOff x="0" y="0"/>
+          <a:chExt cx="0" cy="0"/>
+        </a:xfrm>
+      </p:grpSpPr>
+      <p:sp>
+        <p:nvSpPr>
+          <p:cNvPr id="2" name="Заголовок 1">
+            <a:extLst>
+              <a:ext uri="{FF2B5EF4-FFF2-40B4-BE49-F238E27FC236}">
                 <a16:creationId xmlns:a16="http://schemas.microsoft.com/office/drawing/2014/main" id="{8F8AC755-7984-F390-F535-023E08E1FF06}"/>
               </a:ext>
             </a:extLst>
@@ -5593,7 +5818,7 @@
 </p:sld>
 </file>
 
-<file path=ppt/slides/slide11.xml><?xml version="1.0" encoding="utf-8"?>
+<file path=ppt/slides/slide12.xml><?xml version="1.0" encoding="utf-8"?>
 <p:sld xmlns:a="http://schemas.openxmlformats.org/drawingml/2006/main" xmlns:r="http://schemas.openxmlformats.org/officeDocument/2006/relationships" xmlns:p="http://schemas.openxmlformats.org/presentationml/2006/main">
   <p:cSld>
     <p:spTree>
@@ -5907,7 +6132,7 @@
 </p:sld>
 </file>
 
-<file path=ppt/slides/slide12.xml><?xml version="1.0" encoding="utf-8"?>
+<file path=ppt/slides/slide13.xml><?xml version="1.0" encoding="utf-8"?>
 <p:sld xmlns:a="http://schemas.openxmlformats.org/drawingml/2006/main" xmlns:r="http://schemas.openxmlformats.org/officeDocument/2006/relationships" xmlns:p="http://schemas.openxmlformats.org/presentationml/2006/main">
   <p:cSld>
     <p:spTree>
@@ -7974,7 +8199,7 @@
 </p:sld>
 </file>
 
-<file path=ppt/slides/slide13.xml><?xml version="1.0" encoding="utf-8"?>
+<file path=ppt/slides/slide14.xml><?xml version="1.0" encoding="utf-8"?>
 <p:sld xmlns:a="http://schemas.openxmlformats.org/drawingml/2006/main" xmlns:r="http://schemas.openxmlformats.org/officeDocument/2006/relationships" xmlns:p="http://schemas.openxmlformats.org/presentationml/2006/main">
   <p:cSld>
     <p:spTree>
@@ -8290,7 +8515,7 @@
 </p:sld>
 </file>
 
-<file path=ppt/slides/slide14.xml><?xml version="1.0" encoding="utf-8"?>
+<file path=ppt/slides/slide15.xml><?xml version="1.0" encoding="utf-8"?>
 <p:sld xmlns:a="http://schemas.openxmlformats.org/drawingml/2006/main" xmlns:r="http://schemas.openxmlformats.org/officeDocument/2006/relationships" xmlns:p="http://schemas.openxmlformats.org/presentationml/2006/main">
   <p:cSld>
     <p:spTree>
@@ -8529,7 +8754,7 @@
 </p:sld>
 </file>
 
-<file path=ppt/slides/slide15.xml><?xml version="1.0" encoding="utf-8"?>
+<file path=ppt/slides/slide16.xml><?xml version="1.0" encoding="utf-8"?>
 <p:sld xmlns:a="http://schemas.openxmlformats.org/drawingml/2006/main" xmlns:r="http://schemas.openxmlformats.org/officeDocument/2006/relationships" xmlns:p="http://schemas.openxmlformats.org/presentationml/2006/main">
   <p:cSld>
     <p:spTree>
@@ -8746,7 +8971,7 @@
 </p:sld>
 </file>
 
-<file path=ppt/slides/slide16.xml><?xml version="1.0" encoding="utf-8"?>
+<file path=ppt/slides/slide17.xml><?xml version="1.0" encoding="utf-8"?>
 <p:sld xmlns:a="http://schemas.openxmlformats.org/drawingml/2006/main" xmlns:r="http://schemas.openxmlformats.org/officeDocument/2006/relationships" xmlns:p="http://schemas.openxmlformats.org/presentationml/2006/main">
   <p:cSld>
     <p:spTree>
@@ -10015,10 +10240,15 @@
                 <p:ph idx="1"/>
               </p:nvPr>
             </p:nvSpPr>
-            <p:spPr/>
+            <p:spPr>
+              <a:xfrm>
+                <a:off x="838200" y="1253331"/>
+                <a:ext cx="10515600" cy="4351338"/>
+              </a:xfrm>
+            </p:spPr>
             <p:txBody>
               <a:bodyPr>
-                <a:normAutofit fontScale="85000" lnSpcReduction="10000"/>
+                <a:noAutofit/>
               </a:bodyPr>
               <a:lstStyle/>
               <a:p>
@@ -10029,7 +10259,7 @@
                   <a:buNone/>
                 </a:pPr>
                 <a:r>
-                  <a:rPr lang="ru-RU" sz="1800" kern="100" dirty="0">
+                  <a:rPr lang="ru-RU" sz="1400" kern="100" dirty="0">
                     <a:effectLst/>
                     <a:latin typeface="Times New Roman" panose="02020603050405020304" pitchFamily="18" charset="0"/>
                     <a:ea typeface="Calibri" panose="020F0502020204030204" pitchFamily="34" charset="0"/>
@@ -10047,7 +10277,7 @@
                   <a:buAutoNum type="arabicPeriod"/>
                 </a:pPr>
                 <a:r>
-                  <a:rPr lang="ru-RU" sz="1800" kern="100" dirty="0">
+                  <a:rPr lang="ru-RU" sz="1400" kern="100" dirty="0">
                     <a:effectLst/>
                     <a:latin typeface="Times New Roman" panose="02020603050405020304" pitchFamily="18" charset="0"/>
                     <a:ea typeface="Calibri" panose="020F0502020204030204" pitchFamily="34" charset="0"/>
@@ -10056,7 +10286,7 @@
                   <a:t>Тренд (</a:t>
                 </a:r>
                 <a:r>
-                  <a:rPr lang="en-US" sz="1800" i="1" kern="100" dirty="0">
+                  <a:rPr lang="en-US" sz="1400" i="1" kern="100" dirty="0">
                     <a:effectLst/>
                     <a:latin typeface="Times New Roman" panose="02020603050405020304" pitchFamily="18" charset="0"/>
                     <a:ea typeface="Calibri" panose="020F0502020204030204" pitchFamily="34" charset="0"/>
@@ -10065,7 +10295,7 @@
                   <a:t>T</a:t>
                 </a:r>
                 <a:r>
-                  <a:rPr lang="en-US" sz="1800" kern="100" dirty="0">
+                  <a:rPr lang="en-US" sz="1400" kern="100" dirty="0">
                     <a:effectLst/>
                     <a:latin typeface="Times New Roman" panose="02020603050405020304" pitchFamily="18" charset="0"/>
                     <a:ea typeface="Calibri" panose="020F0502020204030204" pitchFamily="34" charset="0"/>
@@ -10074,7 +10304,7 @@
                   <a:t> </a:t>
                 </a:r>
                 <a:r>
-                  <a:rPr lang="ru-RU" sz="1800" kern="100" dirty="0">
+                  <a:rPr lang="ru-RU" sz="1400" kern="100" dirty="0">
                     <a:effectLst/>
                     <a:latin typeface="Times New Roman" panose="02020603050405020304" pitchFamily="18" charset="0"/>
                     <a:ea typeface="Calibri" panose="020F0502020204030204" pitchFamily="34" charset="0"/>
@@ -10083,7 +10313,7 @@
                   <a:t>— </a:t>
                 </a:r>
                 <a:r>
-                  <a:rPr lang="en-US" sz="1800" kern="100" dirty="0">
+                  <a:rPr lang="en-US" sz="1400" kern="100" dirty="0">
                     <a:effectLst/>
                     <a:latin typeface="Times New Roman" panose="02020603050405020304" pitchFamily="18" charset="0"/>
                     <a:ea typeface="Calibri" panose="020F0502020204030204" pitchFamily="34" charset="0"/>
@@ -10092,7 +10322,7 @@
                   <a:t>trend</a:t>
                 </a:r>
                 <a:r>
-                  <a:rPr lang="ru-RU" sz="1800" kern="100" dirty="0">
+                  <a:rPr lang="ru-RU" sz="1400" kern="100" dirty="0">
                     <a:effectLst/>
                     <a:latin typeface="Times New Roman" panose="02020603050405020304" pitchFamily="18" charset="0"/>
                     <a:ea typeface="Calibri" panose="020F0502020204030204" pitchFamily="34" charset="0"/>
@@ -10110,7 +10340,7 @@
                   <a:buAutoNum type="arabicPeriod"/>
                 </a:pPr>
                 <a:r>
-                  <a:rPr lang="ru-RU" sz="1800" kern="100" dirty="0">
+                  <a:rPr lang="ru-RU" sz="1400" kern="100" dirty="0">
                     <a:effectLst/>
                     <a:latin typeface="Times New Roman" panose="02020603050405020304" pitchFamily="18" charset="0"/>
                     <a:ea typeface="Calibri" panose="020F0502020204030204" pitchFamily="34" charset="0"/>
@@ -10119,7 +10349,7 @@
                   <a:t>Сезонность (</a:t>
                 </a:r>
                 <a:r>
-                  <a:rPr lang="en-US" sz="1800" i="1" kern="100" dirty="0">
+                  <a:rPr lang="en-US" sz="1400" i="1" kern="100" dirty="0">
                     <a:effectLst/>
                     <a:latin typeface="Times New Roman" panose="02020603050405020304" pitchFamily="18" charset="0"/>
                     <a:ea typeface="Calibri" panose="020F0502020204030204" pitchFamily="34" charset="0"/>
@@ -10128,7 +10358,7 @@
                   <a:t>S</a:t>
                 </a:r>
                 <a:r>
-                  <a:rPr lang="en-US" sz="1800" kern="100" dirty="0">
+                  <a:rPr lang="en-US" sz="1400" kern="100" dirty="0">
                     <a:effectLst/>
                     <a:latin typeface="Times New Roman" panose="02020603050405020304" pitchFamily="18" charset="0"/>
                     <a:ea typeface="Calibri" panose="020F0502020204030204" pitchFamily="34" charset="0"/>
@@ -10137,7 +10367,7 @@
                   <a:t> </a:t>
                 </a:r>
                 <a:r>
-                  <a:rPr lang="ru-RU" sz="1800" kern="100" dirty="0">
+                  <a:rPr lang="ru-RU" sz="1400" kern="100" dirty="0">
                     <a:effectLst/>
                     <a:latin typeface="Times New Roman" panose="02020603050405020304" pitchFamily="18" charset="0"/>
                     <a:ea typeface="Calibri" panose="020F0502020204030204" pitchFamily="34" charset="0"/>
@@ -10146,7 +10376,7 @@
                   <a:t>— </a:t>
                 </a:r>
                 <a:r>
-                  <a:rPr lang="en-US" sz="1800" kern="100" dirty="0">
+                  <a:rPr lang="en-US" sz="1400" kern="100" dirty="0">
                     <a:effectLst/>
                     <a:latin typeface="Times New Roman" panose="02020603050405020304" pitchFamily="18" charset="0"/>
                     <a:ea typeface="Calibri" panose="020F0502020204030204" pitchFamily="34" charset="0"/>
@@ -10155,7 +10385,7 @@
                   <a:t>seasonal</a:t>
                 </a:r>
                 <a:r>
-                  <a:rPr lang="ru-RU" sz="1800" kern="100" dirty="0">
+                  <a:rPr lang="ru-RU" sz="1400" kern="100" dirty="0">
                     <a:effectLst/>
                     <a:latin typeface="Times New Roman" panose="02020603050405020304" pitchFamily="18" charset="0"/>
                     <a:ea typeface="Calibri" panose="020F0502020204030204" pitchFamily="34" charset="0"/>
@@ -10173,7 +10403,7 @@
                   <a:buAutoNum type="arabicPeriod"/>
                 </a:pPr>
                 <a:r>
-                  <a:rPr lang="ru-RU" sz="1800" kern="100" dirty="0">
+                  <a:rPr lang="ru-RU" sz="1400" kern="100" dirty="0">
                     <a:effectLst/>
                     <a:latin typeface="Times New Roman" panose="02020603050405020304" pitchFamily="18" charset="0"/>
                     <a:ea typeface="Calibri" panose="020F0502020204030204" pitchFamily="34" charset="0"/>
@@ -10182,7 +10412,7 @@
                   <a:t>Цикл (</a:t>
                 </a:r>
                 <a:r>
-                  <a:rPr lang="en-US" sz="1800" i="1" kern="100" dirty="0">
+                  <a:rPr lang="en-US" sz="1400" i="1" kern="100" dirty="0">
                     <a:effectLst/>
                     <a:latin typeface="Times New Roman" panose="02020603050405020304" pitchFamily="18" charset="0"/>
                     <a:ea typeface="Calibri" panose="020F0502020204030204" pitchFamily="34" charset="0"/>
@@ -10191,7 +10421,7 @@
                   <a:t>C</a:t>
                 </a:r>
                 <a:r>
-                  <a:rPr lang="en-US" sz="1800" kern="100" dirty="0">
+                  <a:rPr lang="en-US" sz="1400" kern="100" dirty="0">
                     <a:effectLst/>
                     <a:latin typeface="Times New Roman" panose="02020603050405020304" pitchFamily="18" charset="0"/>
                     <a:ea typeface="Calibri" panose="020F0502020204030204" pitchFamily="34" charset="0"/>
@@ -10200,7 +10430,7 @@
                   <a:t> </a:t>
                 </a:r>
                 <a:r>
-                  <a:rPr lang="ru-RU" sz="1800" kern="100" dirty="0">
+                  <a:rPr lang="ru-RU" sz="1400" kern="100" dirty="0">
                     <a:effectLst/>
                     <a:latin typeface="Times New Roman" panose="02020603050405020304" pitchFamily="18" charset="0"/>
                     <a:ea typeface="Calibri" panose="020F0502020204030204" pitchFamily="34" charset="0"/>
@@ -10209,7 +10439,7 @@
                   <a:t>— </a:t>
                 </a:r>
                 <a:r>
-                  <a:rPr lang="en-US" sz="1800" kern="100" dirty="0">
+                  <a:rPr lang="en-US" sz="1400" kern="100" dirty="0">
                     <a:effectLst/>
                     <a:latin typeface="Times New Roman" panose="02020603050405020304" pitchFamily="18" charset="0"/>
                     <a:ea typeface="Calibri" panose="020F0502020204030204" pitchFamily="34" charset="0"/>
@@ -10218,7 +10448,7 @@
                   <a:t>cyclic</a:t>
                 </a:r>
                 <a:r>
-                  <a:rPr lang="ru-RU" sz="1800" kern="100" dirty="0">
+                  <a:rPr lang="ru-RU" sz="1400" kern="100" dirty="0">
                     <a:effectLst/>
                     <a:latin typeface="Times New Roman" panose="02020603050405020304" pitchFamily="18" charset="0"/>
                     <a:ea typeface="Calibri" panose="020F0502020204030204" pitchFamily="34" charset="0"/>
@@ -10236,7 +10466,7 @@
                   <a:buAutoNum type="arabicPeriod"/>
                 </a:pPr>
                 <a:r>
-                  <a:rPr lang="ru-RU" sz="1800" kern="100" dirty="0">
+                  <a:rPr lang="ru-RU" sz="1400" kern="100" dirty="0">
                     <a:effectLst/>
                     <a:latin typeface="Times New Roman" panose="02020603050405020304" pitchFamily="18" charset="0"/>
                     <a:ea typeface="Calibri" panose="020F0502020204030204" pitchFamily="34" charset="0"/>
@@ -10245,7 +10475,7 @@
                   <a:t>Шум (</a:t>
                 </a:r>
                 <a:r>
-                  <a:rPr lang="en-US" sz="1800" i="1" kern="100" dirty="0">
+                  <a:rPr lang="en-US" sz="1400" i="1" kern="100" dirty="0">
                     <a:effectLst/>
                     <a:latin typeface="Times New Roman" panose="02020603050405020304" pitchFamily="18" charset="0"/>
                     <a:ea typeface="Calibri" panose="020F0502020204030204" pitchFamily="34" charset="0"/>
@@ -10254,7 +10484,7 @@
                   <a:t>E</a:t>
                 </a:r>
                 <a:r>
-                  <a:rPr lang="en-US" sz="1800" kern="100" dirty="0">
+                  <a:rPr lang="en-US" sz="1400" kern="100" dirty="0">
                     <a:effectLst/>
                     <a:latin typeface="Times New Roman" panose="02020603050405020304" pitchFamily="18" charset="0"/>
                     <a:ea typeface="Calibri" panose="020F0502020204030204" pitchFamily="34" charset="0"/>
@@ -10263,7 +10493,7 @@
                   <a:t> </a:t>
                 </a:r>
                 <a:r>
-                  <a:rPr lang="ru-RU" sz="1800" kern="100" dirty="0">
+                  <a:rPr lang="ru-RU" sz="1400" kern="100" dirty="0">
                     <a:effectLst/>
                     <a:latin typeface="Times New Roman" panose="02020603050405020304" pitchFamily="18" charset="0"/>
                     <a:ea typeface="Calibri" panose="020F0502020204030204" pitchFamily="34" charset="0"/>
@@ -10272,7 +10502,7 @@
                   <a:t>— </a:t>
                 </a:r>
                 <a:r>
-                  <a:rPr lang="en-US" sz="1800" kern="100" dirty="0">
+                  <a:rPr lang="en-US" sz="1400" kern="100" dirty="0">
                     <a:effectLst/>
                     <a:latin typeface="Times New Roman" panose="02020603050405020304" pitchFamily="18" charset="0"/>
                     <a:ea typeface="Calibri" panose="020F0502020204030204" pitchFamily="34" charset="0"/>
@@ -10281,7 +10511,7 @@
                   <a:t>errors</a:t>
                 </a:r>
                 <a:r>
-                  <a:rPr lang="ru-RU" sz="1800" kern="100" dirty="0">
+                  <a:rPr lang="ru-RU" sz="1400" kern="100" dirty="0">
                     <a:effectLst/>
                     <a:latin typeface="Times New Roman" panose="02020603050405020304" pitchFamily="18" charset="0"/>
                     <a:ea typeface="Calibri" panose="020F0502020204030204" pitchFamily="34" charset="0"/>
@@ -10298,7 +10528,7 @@
                   <a:buNone/>
                 </a:pPr>
                 <a:r>
-                  <a:rPr lang="ru-RU" sz="1800" kern="100" dirty="0">
+                  <a:rPr lang="ru-RU" sz="1400" kern="100" dirty="0">
                     <a:effectLst/>
                     <a:latin typeface="Times New Roman" panose="02020603050405020304" pitchFamily="18" charset="0"/>
                     <a:ea typeface="Calibri" panose="020F0502020204030204" pitchFamily="34" charset="0"/>
@@ -10309,7 +10539,7 @@
                 <a14:m>
                   <m:oMath xmlns:m="http://schemas.openxmlformats.org/officeDocument/2006/math">
                     <m:r>
-                      <a:rPr lang="en-US" sz="1800" i="1" kern="100">
+                      <a:rPr lang="en-US" sz="1400" i="1" kern="100">
                         <a:effectLst/>
                         <a:latin typeface="Cambria Math" panose="02040503050406030204" pitchFamily="18" charset="0"/>
                         <a:ea typeface="Calibri" panose="020F0502020204030204" pitchFamily="34" charset="0"/>
@@ -10318,7 +10548,7 @@
                       <m:t>𝐹</m:t>
                     </m:r>
                     <m:r>
-                      <a:rPr lang="ru-RU" sz="1800" i="1" kern="100">
+                      <a:rPr lang="ru-RU" sz="1400" i="1" kern="100">
                         <a:effectLst/>
                         <a:latin typeface="Cambria Math" panose="02040503050406030204" pitchFamily="18" charset="0"/>
                         <a:ea typeface="Calibri" panose="020F0502020204030204" pitchFamily="34" charset="0"/>
@@ -10327,7 +10557,7 @@
                       <m:t>(</m:t>
                     </m:r>
                     <m:r>
-                      <a:rPr lang="en-US" sz="1800" i="1" kern="100">
+                      <a:rPr lang="en-US" sz="1400" i="1" kern="100">
                         <a:effectLst/>
                         <a:latin typeface="Cambria Math" panose="02040503050406030204" pitchFamily="18" charset="0"/>
                         <a:ea typeface="DengXian" panose="02010600030101010101" pitchFamily="2" charset="-122"/>
@@ -10336,7 +10566,7 @@
                       <m:t>𝑇</m:t>
                     </m:r>
                     <m:r>
-                      <a:rPr lang="ru-RU" sz="1800" i="1" kern="100">
+                      <a:rPr lang="ru-RU" sz="1400" i="1" kern="100">
                         <a:effectLst/>
                         <a:latin typeface="Cambria Math" panose="02040503050406030204" pitchFamily="18" charset="0"/>
                         <a:ea typeface="DengXian" panose="02010600030101010101" pitchFamily="2" charset="-122"/>
@@ -10345,7 +10575,7 @@
                       <m:t>,</m:t>
                     </m:r>
                     <m:r>
-                      <a:rPr lang="en-US" sz="1800" i="1" kern="100">
+                      <a:rPr lang="en-US" sz="1400" i="1" kern="100">
                         <a:effectLst/>
                         <a:latin typeface="Cambria Math" panose="02040503050406030204" pitchFamily="18" charset="0"/>
                         <a:ea typeface="DengXian" panose="02010600030101010101" pitchFamily="2" charset="-122"/>
@@ -10354,7 +10584,7 @@
                       <m:t>𝑆</m:t>
                     </m:r>
                     <m:r>
-                      <a:rPr lang="ru-RU" sz="1800" i="1" kern="100">
+                      <a:rPr lang="ru-RU" sz="1400" i="1" kern="100">
                         <a:effectLst/>
                         <a:latin typeface="Cambria Math" panose="02040503050406030204" pitchFamily="18" charset="0"/>
                         <a:ea typeface="DengXian" panose="02010600030101010101" pitchFamily="2" charset="-122"/>
@@ -10363,7 +10593,7 @@
                       <m:t>,</m:t>
                     </m:r>
                     <m:r>
-                      <a:rPr lang="en-US" sz="1800" i="1" kern="100">
+                      <a:rPr lang="en-US" sz="1400" i="1" kern="100">
                         <a:effectLst/>
                         <a:latin typeface="Cambria Math" panose="02040503050406030204" pitchFamily="18" charset="0"/>
                         <a:ea typeface="DengXian" panose="02010600030101010101" pitchFamily="2" charset="-122"/>
@@ -10372,7 +10602,7 @@
                       <m:t>𝐶</m:t>
                     </m:r>
                     <m:r>
-                      <a:rPr lang="ru-RU" sz="1800" i="1" kern="100">
+                      <a:rPr lang="ru-RU" sz="1400" i="1" kern="100">
                         <a:effectLst/>
                         <a:latin typeface="Cambria Math" panose="02040503050406030204" pitchFamily="18" charset="0"/>
                         <a:ea typeface="DengXian" panose="02010600030101010101" pitchFamily="2" charset="-122"/>
@@ -10381,7 +10611,7 @@
                       <m:t>,</m:t>
                     </m:r>
                     <m:r>
-                      <a:rPr lang="en-US" sz="1800" i="1" kern="100">
+                      <a:rPr lang="en-US" sz="1400" i="1" kern="100">
                         <a:effectLst/>
                         <a:latin typeface="Cambria Math" panose="02040503050406030204" pitchFamily="18" charset="0"/>
                         <a:ea typeface="DengXian" panose="02010600030101010101" pitchFamily="2" charset="-122"/>
@@ -10390,7 +10620,7 @@
                       <m:t>𝐸</m:t>
                     </m:r>
                     <m:r>
-                      <a:rPr lang="ru-RU" sz="1800" i="1" kern="100">
+                      <a:rPr lang="ru-RU" sz="1400" i="1" kern="100">
                         <a:effectLst/>
                         <a:latin typeface="Cambria Math" panose="02040503050406030204" pitchFamily="18" charset="0"/>
                         <a:ea typeface="DengXian" panose="02010600030101010101" pitchFamily="2" charset="-122"/>
@@ -10399,7 +10629,7 @@
                       <m:t>,</m:t>
                     </m:r>
                     <m:r>
-                      <a:rPr lang="en-US" sz="1800" i="1" kern="100">
+                      <a:rPr lang="en-US" sz="1400" i="1" kern="100">
                         <a:effectLst/>
                         <a:latin typeface="Cambria Math" panose="02040503050406030204" pitchFamily="18" charset="0"/>
                         <a:ea typeface="DengXian" panose="02010600030101010101" pitchFamily="2" charset="-122"/>
@@ -10408,7 +10638,7 @@
                       <m:t>𝑛</m:t>
                     </m:r>
                     <m:r>
-                      <a:rPr lang="ru-RU" sz="1800" i="1" kern="100">
+                      <a:rPr lang="ru-RU" sz="1400" i="1" kern="100">
                         <a:effectLst/>
                         <a:latin typeface="Cambria Math" panose="02040503050406030204" pitchFamily="18" charset="0"/>
                         <a:ea typeface="DengXian" panose="02010600030101010101" pitchFamily="2" charset="-122"/>
@@ -10419,7 +10649,7 @@
                   </m:oMath>
                 </a14:m>
                 <a:r>
-                  <a:rPr lang="ru-RU" sz="1800" kern="100" dirty="0">
+                  <a:rPr lang="ru-RU" sz="1400" kern="100" dirty="0">
                     <a:effectLst/>
                     <a:latin typeface="Times New Roman" panose="02020603050405020304" pitchFamily="18" charset="0"/>
                     <a:ea typeface="Calibri" panose="020F0502020204030204" pitchFamily="34" charset="0"/>
@@ -10430,7 +10660,7 @@
                 <a14:m>
                   <m:oMath xmlns:m="http://schemas.openxmlformats.org/officeDocument/2006/math">
                     <m:r>
-                      <a:rPr lang="en-US" sz="1800" i="1" kern="100">
+                      <a:rPr lang="en-US" sz="1400" i="1" kern="100">
                         <a:effectLst/>
                         <a:latin typeface="Cambria Math" panose="02040503050406030204" pitchFamily="18" charset="0"/>
                         <a:ea typeface="Calibri" panose="020F0502020204030204" pitchFamily="34" charset="0"/>
@@ -10441,7 +10671,7 @@
                     <m:d>
                       <m:dPr>
                         <m:ctrlPr>
-                          <a:rPr lang="ru-RU" sz="1800" i="1" kern="100">
+                          <a:rPr lang="ru-RU" sz="1400" i="1" kern="100">
                             <a:effectLst/>
                             <a:latin typeface="Cambria Math" panose="02040503050406030204" pitchFamily="18" charset="0"/>
                             <a:ea typeface="Calibri" panose="020F0502020204030204" pitchFamily="34" charset="0"/>
@@ -10451,7 +10681,7 @@
                       </m:dPr>
                       <m:e>
                         <m:r>
-                          <a:rPr lang="en-US" sz="1800" i="1" kern="100">
+                          <a:rPr lang="en-US" sz="1400" i="1" kern="100">
                             <a:effectLst/>
                             <a:latin typeface="Cambria Math" panose="02040503050406030204" pitchFamily="18" charset="0"/>
                             <a:ea typeface="Calibri" panose="020F0502020204030204" pitchFamily="34" charset="0"/>
@@ -10464,7 +10694,7 @@
                   </m:oMath>
                 </a14:m>
                 <a:r>
-                  <a:rPr lang="ru-RU" sz="1800" kern="100" dirty="0">
+                  <a:rPr lang="ru-RU" sz="1400" kern="100" dirty="0">
                     <a:effectLst/>
                     <a:latin typeface="Times New Roman" panose="02020603050405020304" pitchFamily="18" charset="0"/>
                     <a:ea typeface="Calibri" panose="020F0502020204030204" pitchFamily="34" charset="0"/>
@@ -10487,7 +10717,7 @@
                     </m:oMathParaPr>
                     <m:oMath xmlns:m="http://schemas.openxmlformats.org/officeDocument/2006/math">
                       <m:r>
-                        <a:rPr lang="en-US" sz="1800" i="1" kern="100">
+                        <a:rPr lang="en-US" sz="1400" i="1" kern="100">
                           <a:effectLst/>
                           <a:latin typeface="Cambria Math" panose="02040503050406030204" pitchFamily="18" charset="0"/>
                           <a:ea typeface="Calibri" panose="020F0502020204030204" pitchFamily="34" charset="0"/>
@@ -10498,7 +10728,7 @@
                       <m:d>
                         <m:dPr>
                           <m:ctrlPr>
-                            <a:rPr lang="ru-RU" sz="1800" i="1" kern="100">
+                            <a:rPr lang="ru-RU" sz="1400" i="1" kern="100">
                               <a:effectLst/>
                               <a:latin typeface="Cambria Math" panose="02040503050406030204" pitchFamily="18" charset="0"/>
                               <a:ea typeface="Calibri" panose="020F0502020204030204" pitchFamily="34" charset="0"/>
@@ -10508,7 +10738,7 @@
                         </m:dPr>
                         <m:e>
                           <m:r>
-                            <a:rPr lang="en-US" sz="1800" i="1" kern="100">
+                            <a:rPr lang="en-US" sz="1400" i="1" kern="100">
                               <a:effectLst/>
                               <a:latin typeface="Cambria Math" panose="02040503050406030204" pitchFamily="18" charset="0"/>
                               <a:ea typeface="Calibri" panose="020F0502020204030204" pitchFamily="34" charset="0"/>
@@ -10519,7 +10749,7 @@
                         </m:e>
                       </m:d>
                       <m:r>
-                        <a:rPr lang="en-US" sz="1800" i="1" kern="100">
+                        <a:rPr lang="en-US" sz="1400" i="1" kern="100">
                           <a:effectLst/>
                           <a:latin typeface="Cambria Math" panose="02040503050406030204" pitchFamily="18" charset="0"/>
                           <a:ea typeface="Calibri" panose="020F0502020204030204" pitchFamily="34" charset="0"/>
@@ -10528,7 +10758,7 @@
                         <m:t>=</m:t>
                       </m:r>
                       <m:r>
-                        <a:rPr lang="en-US" sz="1800" i="1" kern="100">
+                        <a:rPr lang="en-US" sz="1400" i="1" kern="100">
                           <a:effectLst/>
                           <a:latin typeface="Cambria Math" panose="02040503050406030204" pitchFamily="18" charset="0"/>
                           <a:ea typeface="Calibri" panose="020F0502020204030204" pitchFamily="34" charset="0"/>
@@ -10537,7 +10767,7 @@
                         <m:t>𝐹</m:t>
                       </m:r>
                       <m:r>
-                        <a:rPr lang="en-US" sz="1800" i="1" kern="100">
+                        <a:rPr lang="en-US" sz="1400" i="1" kern="100">
                           <a:effectLst/>
                           <a:latin typeface="Cambria Math" panose="02040503050406030204" pitchFamily="18" charset="0"/>
                           <a:ea typeface="Calibri" panose="020F0502020204030204" pitchFamily="34" charset="0"/>
@@ -10546,7 +10776,7 @@
                         <m:t>(</m:t>
                       </m:r>
                       <m:r>
-                        <a:rPr lang="en-US" sz="1800" i="1" kern="100">
+                        <a:rPr lang="en-US" sz="1400" i="1" kern="100">
                           <a:effectLst/>
                           <a:latin typeface="Cambria Math" panose="02040503050406030204" pitchFamily="18" charset="0"/>
                           <a:ea typeface="DengXian" panose="02010600030101010101" pitchFamily="2" charset="-122"/>
@@ -10555,7 +10785,7 @@
                         <m:t>𝑇</m:t>
                       </m:r>
                       <m:r>
-                        <a:rPr lang="en-US" sz="1800" i="1" kern="100">
+                        <a:rPr lang="en-US" sz="1400" i="1" kern="100">
                           <a:effectLst/>
                           <a:latin typeface="Cambria Math" panose="02040503050406030204" pitchFamily="18" charset="0"/>
                           <a:ea typeface="DengXian" panose="02010600030101010101" pitchFamily="2" charset="-122"/>
@@ -10564,7 +10794,7 @@
                         <m:t>,</m:t>
                       </m:r>
                       <m:r>
-                        <a:rPr lang="en-US" sz="1800" i="1" kern="100">
+                        <a:rPr lang="en-US" sz="1400" i="1" kern="100">
                           <a:effectLst/>
                           <a:latin typeface="Cambria Math" panose="02040503050406030204" pitchFamily="18" charset="0"/>
                           <a:ea typeface="DengXian" panose="02010600030101010101" pitchFamily="2" charset="-122"/>
@@ -10573,7 +10803,7 @@
                         <m:t>𝑆</m:t>
                       </m:r>
                       <m:r>
-                        <a:rPr lang="en-US" sz="1800" i="1" kern="100">
+                        <a:rPr lang="en-US" sz="1400" i="1" kern="100">
                           <a:effectLst/>
                           <a:latin typeface="Cambria Math" panose="02040503050406030204" pitchFamily="18" charset="0"/>
                           <a:ea typeface="DengXian" panose="02010600030101010101" pitchFamily="2" charset="-122"/>
@@ -10582,7 +10812,7 @@
                         <m:t>,</m:t>
                       </m:r>
                       <m:r>
-                        <a:rPr lang="en-US" sz="1800" i="1" kern="100">
+                        <a:rPr lang="en-US" sz="1400" i="1" kern="100">
                           <a:effectLst/>
                           <a:latin typeface="Cambria Math" panose="02040503050406030204" pitchFamily="18" charset="0"/>
                           <a:ea typeface="DengXian" panose="02010600030101010101" pitchFamily="2" charset="-122"/>
@@ -10591,7 +10821,7 @@
                         <m:t>𝐶</m:t>
                       </m:r>
                       <m:r>
-                        <a:rPr lang="en-US" sz="1800" i="1" kern="100">
+                        <a:rPr lang="en-US" sz="1400" i="1" kern="100">
                           <a:effectLst/>
                           <a:latin typeface="Cambria Math" panose="02040503050406030204" pitchFamily="18" charset="0"/>
                           <a:ea typeface="DengXian" panose="02010600030101010101" pitchFamily="2" charset="-122"/>
@@ -10600,7 +10830,7 @@
                         <m:t>,</m:t>
                       </m:r>
                       <m:r>
-                        <a:rPr lang="en-US" sz="1800" i="1" kern="100">
+                        <a:rPr lang="en-US" sz="1400" i="1" kern="100">
                           <a:effectLst/>
                           <a:latin typeface="Cambria Math" panose="02040503050406030204" pitchFamily="18" charset="0"/>
                           <a:ea typeface="DengXian" panose="02010600030101010101" pitchFamily="2" charset="-122"/>
@@ -10609,7 +10839,7 @@
                         <m:t>𝐸</m:t>
                       </m:r>
                       <m:r>
-                        <a:rPr lang="en-US" sz="1800" i="1" kern="100">
+                        <a:rPr lang="en-US" sz="1400" i="1" kern="100">
                           <a:effectLst/>
                           <a:latin typeface="Cambria Math" panose="02040503050406030204" pitchFamily="18" charset="0"/>
                           <a:ea typeface="DengXian" panose="02010600030101010101" pitchFamily="2" charset="-122"/>
@@ -10618,7 +10848,7 @@
                         <m:t>,</m:t>
                       </m:r>
                       <m:r>
-                        <a:rPr lang="en-US" sz="1800" i="1" kern="100">
+                        <a:rPr lang="en-US" sz="1400" i="1" kern="100">
                           <a:effectLst/>
                           <a:latin typeface="Cambria Math" panose="02040503050406030204" pitchFamily="18" charset="0"/>
                           <a:ea typeface="DengXian" panose="02010600030101010101" pitchFamily="2" charset="-122"/>
@@ -10627,7 +10857,7 @@
                         <m:t>𝑛</m:t>
                       </m:r>
                       <m:r>
-                        <a:rPr lang="en-US" sz="1800" i="1" kern="100">
+                        <a:rPr lang="en-US" sz="1400" i="1" kern="100">
                           <a:effectLst/>
                           <a:latin typeface="Cambria Math" panose="02040503050406030204" pitchFamily="18" charset="0"/>
                           <a:ea typeface="DengXian" panose="02010600030101010101" pitchFamily="2" charset="-122"/>
@@ -10638,7 +10868,7 @@
                     </m:oMath>
                   </m:oMathPara>
                 </a14:m>
-                <a:endParaRPr lang="ru-RU" sz="1800" kern="100" dirty="0">
+                <a:endParaRPr lang="ru-RU" sz="1400" kern="100" dirty="0">
                   <a:effectLst/>
                   <a:latin typeface="Times New Roman" panose="02020603050405020304" pitchFamily="18" charset="0"/>
                   <a:ea typeface="Calibri" panose="020F0502020204030204" pitchFamily="34" charset="0"/>
@@ -10646,7 +10876,470 @@
                 </a:endParaRPr>
               </a:p>
               <a:p>
-                <a:endParaRPr lang="ru-RU" dirty="0"/>
+                <a:pPr marL="342900" lvl="0" indent="-342900" algn="just">
+                  <a:lnSpc>
+                    <a:spcPct val="150000"/>
+                  </a:lnSpc>
+                  <a:buFont typeface="+mj-lt"/>
+                  <a:buAutoNum type="arabicPeriod"/>
+                </a:pPr>
+                <a:r>
+                  <a:rPr lang="ru-RU" sz="1400" kern="100" dirty="0">
+                    <a:effectLst/>
+                    <a:latin typeface="Times New Roman" panose="02020603050405020304" pitchFamily="18" charset="0"/>
+                    <a:ea typeface="Calibri" panose="020F0502020204030204" pitchFamily="34" charset="0"/>
+                    <a:cs typeface="Mangal" panose="02040503050203030202" pitchFamily="18" charset="0"/>
+                  </a:rPr>
+                  <a:t>Аддитивная модель: </a:t>
+                </a:r>
+                <a14:m>
+                  <m:oMath xmlns:m="http://schemas.openxmlformats.org/officeDocument/2006/math">
+                    <m:r>
+                      <a:rPr lang="en-US" sz="1400" i="1" kern="100">
+                        <a:effectLst/>
+                        <a:latin typeface="Cambria Math" panose="02040503050406030204" pitchFamily="18" charset="0"/>
+                        <a:ea typeface="Calibri" panose="020F0502020204030204" pitchFamily="34" charset="0"/>
+                        <a:cs typeface="Mangal" panose="02040503050203030202" pitchFamily="18" charset="0"/>
+                      </a:rPr>
+                      <m:t>𝑌</m:t>
+                    </m:r>
+                    <m:d>
+                      <m:dPr>
+                        <m:ctrlPr>
+                          <a:rPr lang="ru-RU" sz="1400" i="1" kern="100">
+                            <a:effectLst/>
+                            <a:latin typeface="Cambria Math" panose="02040503050406030204" pitchFamily="18" charset="0"/>
+                            <a:ea typeface="Calibri" panose="020F0502020204030204" pitchFamily="34" charset="0"/>
+                            <a:cs typeface="Mangal" panose="02040503050203030202" pitchFamily="18" charset="0"/>
+                          </a:rPr>
+                        </m:ctrlPr>
+                      </m:dPr>
+                      <m:e>
+                        <m:r>
+                          <a:rPr lang="en-US" sz="1400" i="1" kern="100">
+                            <a:effectLst/>
+                            <a:latin typeface="Cambria Math" panose="02040503050406030204" pitchFamily="18" charset="0"/>
+                            <a:ea typeface="Calibri" panose="020F0502020204030204" pitchFamily="34" charset="0"/>
+                            <a:cs typeface="Mangal" panose="02040503050203030202" pitchFamily="18" charset="0"/>
+                          </a:rPr>
+                          <m:t>𝑛</m:t>
+                        </m:r>
+                      </m:e>
+                    </m:d>
+                    <m:r>
+                      <a:rPr lang="ru-RU" sz="1400" i="1" kern="100">
+                        <a:effectLst/>
+                        <a:latin typeface="Cambria Math" panose="02040503050406030204" pitchFamily="18" charset="0"/>
+                        <a:ea typeface="Calibri" panose="020F0502020204030204" pitchFamily="34" charset="0"/>
+                        <a:cs typeface="Mangal" panose="02040503050203030202" pitchFamily="18" charset="0"/>
+                      </a:rPr>
+                      <m:t>=</m:t>
+                    </m:r>
+                    <m:r>
+                      <a:rPr lang="en-US" sz="1400" i="1" kern="100">
+                        <a:effectLst/>
+                        <a:latin typeface="Cambria Math" panose="02040503050406030204" pitchFamily="18" charset="0"/>
+                        <a:ea typeface="DengXian" panose="02010600030101010101" pitchFamily="2" charset="-122"/>
+                        <a:cs typeface="Mangal" panose="02040503050203030202" pitchFamily="18" charset="0"/>
+                      </a:rPr>
+                      <m:t>𝑇</m:t>
+                    </m:r>
+                    <m:d>
+                      <m:dPr>
+                        <m:ctrlPr>
+                          <a:rPr lang="ru-RU" sz="1400" i="1" kern="100">
+                            <a:effectLst/>
+                            <a:latin typeface="Cambria Math" panose="02040503050406030204" pitchFamily="18" charset="0"/>
+                            <a:ea typeface="DengXian" panose="02010600030101010101" pitchFamily="2" charset="-122"/>
+                            <a:cs typeface="Mangal" panose="02040503050203030202" pitchFamily="18" charset="0"/>
+                          </a:rPr>
+                        </m:ctrlPr>
+                      </m:dPr>
+                      <m:e>
+                        <m:r>
+                          <a:rPr lang="en-US" sz="1400" i="1" kern="100">
+                            <a:effectLst/>
+                            <a:latin typeface="Cambria Math" panose="02040503050406030204" pitchFamily="18" charset="0"/>
+                            <a:ea typeface="DengXian" panose="02010600030101010101" pitchFamily="2" charset="-122"/>
+                            <a:cs typeface="Mangal" panose="02040503050203030202" pitchFamily="18" charset="0"/>
+                          </a:rPr>
+                          <m:t>𝑛</m:t>
+                        </m:r>
+                      </m:e>
+                    </m:d>
+                    <m:r>
+                      <a:rPr lang="ru-RU" sz="1400" i="1" kern="100">
+                        <a:effectLst/>
+                        <a:latin typeface="Cambria Math" panose="02040503050406030204" pitchFamily="18" charset="0"/>
+                        <a:ea typeface="DengXian" panose="02010600030101010101" pitchFamily="2" charset="-122"/>
+                        <a:cs typeface="Mangal" panose="02040503050203030202" pitchFamily="18" charset="0"/>
+                      </a:rPr>
+                      <m:t>+</m:t>
+                    </m:r>
+                    <m:r>
+                      <a:rPr lang="en-US" sz="1400" i="1" kern="100">
+                        <a:effectLst/>
+                        <a:latin typeface="Cambria Math" panose="02040503050406030204" pitchFamily="18" charset="0"/>
+                        <a:ea typeface="DengXian" panose="02010600030101010101" pitchFamily="2" charset="-122"/>
+                        <a:cs typeface="Mangal" panose="02040503050203030202" pitchFamily="18" charset="0"/>
+                      </a:rPr>
+                      <m:t>𝑆</m:t>
+                    </m:r>
+                    <m:d>
+                      <m:dPr>
+                        <m:ctrlPr>
+                          <a:rPr lang="ru-RU" sz="1400" i="1" kern="100">
+                            <a:effectLst/>
+                            <a:latin typeface="Cambria Math" panose="02040503050406030204" pitchFamily="18" charset="0"/>
+                            <a:ea typeface="DengXian" panose="02010600030101010101" pitchFamily="2" charset="-122"/>
+                            <a:cs typeface="Mangal" panose="02040503050203030202" pitchFamily="18" charset="0"/>
+                          </a:rPr>
+                        </m:ctrlPr>
+                      </m:dPr>
+                      <m:e>
+                        <m:r>
+                          <a:rPr lang="en-US" sz="1400" i="1" kern="100">
+                            <a:effectLst/>
+                            <a:latin typeface="Cambria Math" panose="02040503050406030204" pitchFamily="18" charset="0"/>
+                            <a:ea typeface="DengXian" panose="02010600030101010101" pitchFamily="2" charset="-122"/>
+                            <a:cs typeface="Mangal" panose="02040503050203030202" pitchFamily="18" charset="0"/>
+                          </a:rPr>
+                          <m:t>𝑛</m:t>
+                        </m:r>
+                      </m:e>
+                    </m:d>
+                    <m:r>
+                      <a:rPr lang="ru-RU" sz="1400" i="1" kern="100">
+                        <a:effectLst/>
+                        <a:latin typeface="Cambria Math" panose="02040503050406030204" pitchFamily="18" charset="0"/>
+                        <a:ea typeface="DengXian" panose="02010600030101010101" pitchFamily="2" charset="-122"/>
+                        <a:cs typeface="Mangal" panose="02040503050203030202" pitchFamily="18" charset="0"/>
+                      </a:rPr>
+                      <m:t>+</m:t>
+                    </m:r>
+                    <m:r>
+                      <a:rPr lang="en-US" sz="1400" i="1" kern="100">
+                        <a:effectLst/>
+                        <a:latin typeface="Cambria Math" panose="02040503050406030204" pitchFamily="18" charset="0"/>
+                        <a:ea typeface="DengXian" panose="02010600030101010101" pitchFamily="2" charset="-122"/>
+                        <a:cs typeface="Mangal" panose="02040503050203030202" pitchFamily="18" charset="0"/>
+                      </a:rPr>
+                      <m:t>𝐶</m:t>
+                    </m:r>
+                    <m:d>
+                      <m:dPr>
+                        <m:ctrlPr>
+                          <a:rPr lang="ru-RU" sz="1400" i="1" kern="100">
+                            <a:effectLst/>
+                            <a:latin typeface="Cambria Math" panose="02040503050406030204" pitchFamily="18" charset="0"/>
+                            <a:ea typeface="DengXian" panose="02010600030101010101" pitchFamily="2" charset="-122"/>
+                            <a:cs typeface="Mangal" panose="02040503050203030202" pitchFamily="18" charset="0"/>
+                          </a:rPr>
+                        </m:ctrlPr>
+                      </m:dPr>
+                      <m:e>
+                        <m:r>
+                          <a:rPr lang="en-US" sz="1400" i="1" kern="100">
+                            <a:effectLst/>
+                            <a:latin typeface="Cambria Math" panose="02040503050406030204" pitchFamily="18" charset="0"/>
+                            <a:ea typeface="DengXian" panose="02010600030101010101" pitchFamily="2" charset="-122"/>
+                            <a:cs typeface="Mangal" panose="02040503050203030202" pitchFamily="18" charset="0"/>
+                          </a:rPr>
+                          <m:t>𝑛</m:t>
+                        </m:r>
+                      </m:e>
+                    </m:d>
+                    <m:r>
+                      <a:rPr lang="ru-RU" sz="1400" i="1" kern="100">
+                        <a:effectLst/>
+                        <a:latin typeface="Cambria Math" panose="02040503050406030204" pitchFamily="18" charset="0"/>
+                        <a:ea typeface="DengXian" panose="02010600030101010101" pitchFamily="2" charset="-122"/>
+                        <a:cs typeface="Mangal" panose="02040503050203030202" pitchFamily="18" charset="0"/>
+                      </a:rPr>
+                      <m:t>+</m:t>
+                    </m:r>
+                    <m:r>
+                      <a:rPr lang="en-US" sz="1400" i="1" kern="100">
+                        <a:effectLst/>
+                        <a:latin typeface="Cambria Math" panose="02040503050406030204" pitchFamily="18" charset="0"/>
+                        <a:ea typeface="DengXian" panose="02010600030101010101" pitchFamily="2" charset="-122"/>
+                        <a:cs typeface="Mangal" panose="02040503050203030202" pitchFamily="18" charset="0"/>
+                      </a:rPr>
+                      <m:t>𝐸</m:t>
+                    </m:r>
+                    <m:d>
+                      <m:dPr>
+                        <m:ctrlPr>
+                          <a:rPr lang="ru-RU" sz="1400" i="1" kern="100">
+                            <a:effectLst/>
+                            <a:latin typeface="Cambria Math" panose="02040503050406030204" pitchFamily="18" charset="0"/>
+                            <a:ea typeface="DengXian" panose="02010600030101010101" pitchFamily="2" charset="-122"/>
+                            <a:cs typeface="Mangal" panose="02040503050203030202" pitchFamily="18" charset="0"/>
+                          </a:rPr>
+                        </m:ctrlPr>
+                      </m:dPr>
+                      <m:e>
+                        <m:r>
+                          <a:rPr lang="en-US" sz="1400" i="1" kern="100">
+                            <a:effectLst/>
+                            <a:latin typeface="Cambria Math" panose="02040503050406030204" pitchFamily="18" charset="0"/>
+                            <a:ea typeface="DengXian" panose="02010600030101010101" pitchFamily="2" charset="-122"/>
+                            <a:cs typeface="Mangal" panose="02040503050203030202" pitchFamily="18" charset="0"/>
+                          </a:rPr>
+                          <m:t>𝑛</m:t>
+                        </m:r>
+                      </m:e>
+                    </m:d>
+                    <m:r>
+                      <a:rPr lang="ru-RU" sz="1400" i="1" kern="100">
+                        <a:effectLst/>
+                        <a:latin typeface="Cambria Math" panose="02040503050406030204" pitchFamily="18" charset="0"/>
+                        <a:ea typeface="DengXian" panose="02010600030101010101" pitchFamily="2" charset="-122"/>
+                        <a:cs typeface="Mangal" panose="02040503050203030202" pitchFamily="18" charset="0"/>
+                      </a:rPr>
+                      <m:t>, </m:t>
+                    </m:r>
+                  </m:oMath>
+                </a14:m>
+                <a:endParaRPr lang="ru-RU" sz="1400" kern="100" dirty="0">
+                  <a:effectLst/>
+                  <a:latin typeface="Times New Roman" panose="02020603050405020304" pitchFamily="18" charset="0"/>
+                  <a:ea typeface="DengXian" panose="02010600030101010101" pitchFamily="2" charset="-122"/>
+                  <a:cs typeface="Mangal" panose="02040503050203030202" pitchFamily="18" charset="0"/>
+                </a:endParaRPr>
+              </a:p>
+              <a:p>
+                <a:pPr marL="342900" lvl="0" indent="-342900" algn="just">
+                  <a:lnSpc>
+                    <a:spcPct val="150000"/>
+                  </a:lnSpc>
+                  <a:buFont typeface="+mj-lt"/>
+                  <a:buAutoNum type="arabicPeriod"/>
+                </a:pPr>
+                <a:r>
+                  <a:rPr lang="ru-RU" sz="1400" kern="100" dirty="0">
+                    <a:effectLst/>
+                    <a:latin typeface="Times New Roman" panose="02020603050405020304" pitchFamily="18" charset="0"/>
+                    <a:ea typeface="Calibri" panose="020F0502020204030204" pitchFamily="34" charset="0"/>
+                    <a:cs typeface="Mangal" panose="02040503050203030202" pitchFamily="18" charset="0"/>
+                  </a:rPr>
+                  <a:t>Мультипликативная модель: </a:t>
+                </a:r>
+                <a14:m>
+                  <m:oMath xmlns:m="http://schemas.openxmlformats.org/officeDocument/2006/math">
+                    <m:r>
+                      <a:rPr lang="en-US" sz="1400" i="1" kern="100">
+                        <a:effectLst/>
+                        <a:latin typeface="Cambria Math" panose="02040503050406030204" pitchFamily="18" charset="0"/>
+                        <a:ea typeface="Calibri" panose="020F0502020204030204" pitchFamily="34" charset="0"/>
+                        <a:cs typeface="Mangal" panose="02040503050203030202" pitchFamily="18" charset="0"/>
+                      </a:rPr>
+                      <m:t>𝑌</m:t>
+                    </m:r>
+                    <m:d>
+                      <m:dPr>
+                        <m:ctrlPr>
+                          <a:rPr lang="ru-RU" sz="1400" i="1" kern="100">
+                            <a:effectLst/>
+                            <a:latin typeface="Cambria Math" panose="02040503050406030204" pitchFamily="18" charset="0"/>
+                            <a:ea typeface="Calibri" panose="020F0502020204030204" pitchFamily="34" charset="0"/>
+                            <a:cs typeface="Mangal" panose="02040503050203030202" pitchFamily="18" charset="0"/>
+                          </a:rPr>
+                        </m:ctrlPr>
+                      </m:dPr>
+                      <m:e>
+                        <m:r>
+                          <a:rPr lang="en-US" sz="1400" i="1" kern="100">
+                            <a:effectLst/>
+                            <a:latin typeface="Cambria Math" panose="02040503050406030204" pitchFamily="18" charset="0"/>
+                            <a:ea typeface="Calibri" panose="020F0502020204030204" pitchFamily="34" charset="0"/>
+                            <a:cs typeface="Mangal" panose="02040503050203030202" pitchFamily="18" charset="0"/>
+                          </a:rPr>
+                          <m:t>𝑛</m:t>
+                        </m:r>
+                      </m:e>
+                    </m:d>
+                    <m:r>
+                      <a:rPr lang="ru-RU" sz="1400" i="1" kern="100">
+                        <a:effectLst/>
+                        <a:latin typeface="Cambria Math" panose="02040503050406030204" pitchFamily="18" charset="0"/>
+                        <a:ea typeface="Calibri" panose="020F0502020204030204" pitchFamily="34" charset="0"/>
+                        <a:cs typeface="Mangal" panose="02040503050203030202" pitchFamily="18" charset="0"/>
+                      </a:rPr>
+                      <m:t>=</m:t>
+                    </m:r>
+                    <m:r>
+                      <a:rPr lang="en-US" sz="1400" i="1" kern="100">
+                        <a:effectLst/>
+                        <a:latin typeface="Cambria Math" panose="02040503050406030204" pitchFamily="18" charset="0"/>
+                        <a:ea typeface="DengXian" panose="02010600030101010101" pitchFamily="2" charset="-122"/>
+                        <a:cs typeface="Mangal" panose="02040503050203030202" pitchFamily="18" charset="0"/>
+                      </a:rPr>
+                      <m:t>𝑇</m:t>
+                    </m:r>
+                    <m:d>
+                      <m:dPr>
+                        <m:ctrlPr>
+                          <a:rPr lang="ru-RU" sz="1400" i="1" kern="100">
+                            <a:effectLst/>
+                            <a:latin typeface="Cambria Math" panose="02040503050406030204" pitchFamily="18" charset="0"/>
+                            <a:ea typeface="DengXian" panose="02010600030101010101" pitchFamily="2" charset="-122"/>
+                            <a:cs typeface="Mangal" panose="02040503050203030202" pitchFamily="18" charset="0"/>
+                          </a:rPr>
+                        </m:ctrlPr>
+                      </m:dPr>
+                      <m:e>
+                        <m:r>
+                          <a:rPr lang="en-US" sz="1400" i="1" kern="100">
+                            <a:effectLst/>
+                            <a:latin typeface="Cambria Math" panose="02040503050406030204" pitchFamily="18" charset="0"/>
+                            <a:ea typeface="DengXian" panose="02010600030101010101" pitchFamily="2" charset="-122"/>
+                            <a:cs typeface="Mangal" panose="02040503050203030202" pitchFamily="18" charset="0"/>
+                          </a:rPr>
+                          <m:t>𝑛</m:t>
+                        </m:r>
+                      </m:e>
+                    </m:d>
+                    <m:r>
+                      <a:rPr lang="ru-RU" sz="1400" i="1" kern="100">
+                        <a:effectLst/>
+                        <a:latin typeface="Cambria Math" panose="02040503050406030204" pitchFamily="18" charset="0"/>
+                        <a:ea typeface="DengXian" panose="02010600030101010101" pitchFamily="2" charset="-122"/>
+                        <a:cs typeface="Mangal" panose="02040503050203030202" pitchFamily="18" charset="0"/>
+                      </a:rPr>
+                      <m:t>∗</m:t>
+                    </m:r>
+                    <m:r>
+                      <a:rPr lang="en-US" sz="1400" i="1" kern="100">
+                        <a:effectLst/>
+                        <a:latin typeface="Cambria Math" panose="02040503050406030204" pitchFamily="18" charset="0"/>
+                        <a:ea typeface="DengXian" panose="02010600030101010101" pitchFamily="2" charset="-122"/>
+                        <a:cs typeface="Mangal" panose="02040503050203030202" pitchFamily="18" charset="0"/>
+                      </a:rPr>
+                      <m:t>𝑆</m:t>
+                    </m:r>
+                    <m:d>
+                      <m:dPr>
+                        <m:ctrlPr>
+                          <a:rPr lang="ru-RU" sz="1400" i="1" kern="100">
+                            <a:effectLst/>
+                            <a:latin typeface="Cambria Math" panose="02040503050406030204" pitchFamily="18" charset="0"/>
+                            <a:ea typeface="DengXian" panose="02010600030101010101" pitchFamily="2" charset="-122"/>
+                            <a:cs typeface="Mangal" panose="02040503050203030202" pitchFamily="18" charset="0"/>
+                          </a:rPr>
+                        </m:ctrlPr>
+                      </m:dPr>
+                      <m:e>
+                        <m:r>
+                          <a:rPr lang="en-US" sz="1400" i="1" kern="100">
+                            <a:effectLst/>
+                            <a:latin typeface="Cambria Math" panose="02040503050406030204" pitchFamily="18" charset="0"/>
+                            <a:ea typeface="DengXian" panose="02010600030101010101" pitchFamily="2" charset="-122"/>
+                            <a:cs typeface="Mangal" panose="02040503050203030202" pitchFamily="18" charset="0"/>
+                          </a:rPr>
+                          <m:t>𝑛</m:t>
+                        </m:r>
+                      </m:e>
+                    </m:d>
+                    <m:r>
+                      <a:rPr lang="ru-RU" sz="1400" i="1" kern="100">
+                        <a:effectLst/>
+                        <a:latin typeface="Cambria Math" panose="02040503050406030204" pitchFamily="18" charset="0"/>
+                        <a:ea typeface="DengXian" panose="02010600030101010101" pitchFamily="2" charset="-122"/>
+                        <a:cs typeface="Mangal" panose="02040503050203030202" pitchFamily="18" charset="0"/>
+                      </a:rPr>
+                      <m:t>∗</m:t>
+                    </m:r>
+                    <m:r>
+                      <a:rPr lang="en-US" sz="1400" i="1" kern="100">
+                        <a:effectLst/>
+                        <a:latin typeface="Cambria Math" panose="02040503050406030204" pitchFamily="18" charset="0"/>
+                        <a:ea typeface="DengXian" panose="02010600030101010101" pitchFamily="2" charset="-122"/>
+                        <a:cs typeface="Mangal" panose="02040503050203030202" pitchFamily="18" charset="0"/>
+                      </a:rPr>
+                      <m:t>𝐶</m:t>
+                    </m:r>
+                    <m:d>
+                      <m:dPr>
+                        <m:ctrlPr>
+                          <a:rPr lang="ru-RU" sz="1400" i="1" kern="100">
+                            <a:effectLst/>
+                            <a:latin typeface="Cambria Math" panose="02040503050406030204" pitchFamily="18" charset="0"/>
+                            <a:ea typeface="DengXian" panose="02010600030101010101" pitchFamily="2" charset="-122"/>
+                            <a:cs typeface="Mangal" panose="02040503050203030202" pitchFamily="18" charset="0"/>
+                          </a:rPr>
+                        </m:ctrlPr>
+                      </m:dPr>
+                      <m:e>
+                        <m:r>
+                          <a:rPr lang="en-US" sz="1400" i="1" kern="100">
+                            <a:effectLst/>
+                            <a:latin typeface="Cambria Math" panose="02040503050406030204" pitchFamily="18" charset="0"/>
+                            <a:ea typeface="DengXian" panose="02010600030101010101" pitchFamily="2" charset="-122"/>
+                            <a:cs typeface="Mangal" panose="02040503050203030202" pitchFamily="18" charset="0"/>
+                          </a:rPr>
+                          <m:t>𝑛</m:t>
+                        </m:r>
+                      </m:e>
+                    </m:d>
+                    <m:r>
+                      <a:rPr lang="ru-RU" sz="1400" i="1" kern="100">
+                        <a:effectLst/>
+                        <a:latin typeface="Cambria Math" panose="02040503050406030204" pitchFamily="18" charset="0"/>
+                        <a:ea typeface="DengXian" panose="02010600030101010101" pitchFamily="2" charset="-122"/>
+                        <a:cs typeface="Mangal" panose="02040503050203030202" pitchFamily="18" charset="0"/>
+                      </a:rPr>
+                      <m:t>∗</m:t>
+                    </m:r>
+                    <m:r>
+                      <a:rPr lang="en-US" sz="1400" i="1" kern="100">
+                        <a:effectLst/>
+                        <a:latin typeface="Cambria Math" panose="02040503050406030204" pitchFamily="18" charset="0"/>
+                        <a:ea typeface="DengXian" panose="02010600030101010101" pitchFamily="2" charset="-122"/>
+                        <a:cs typeface="Mangal" panose="02040503050203030202" pitchFamily="18" charset="0"/>
+                      </a:rPr>
+                      <m:t>𝐸</m:t>
+                    </m:r>
+                    <m:d>
+                      <m:dPr>
+                        <m:ctrlPr>
+                          <a:rPr lang="ru-RU" sz="1400" i="1" kern="100">
+                            <a:effectLst/>
+                            <a:latin typeface="Cambria Math" panose="02040503050406030204" pitchFamily="18" charset="0"/>
+                            <a:ea typeface="DengXian" panose="02010600030101010101" pitchFamily="2" charset="-122"/>
+                            <a:cs typeface="Mangal" panose="02040503050203030202" pitchFamily="18" charset="0"/>
+                          </a:rPr>
+                        </m:ctrlPr>
+                      </m:dPr>
+                      <m:e>
+                        <m:r>
+                          <a:rPr lang="en-US" sz="1400" i="1" kern="100">
+                            <a:effectLst/>
+                            <a:latin typeface="Cambria Math" panose="02040503050406030204" pitchFamily="18" charset="0"/>
+                            <a:ea typeface="DengXian" panose="02010600030101010101" pitchFamily="2" charset="-122"/>
+                            <a:cs typeface="Mangal" panose="02040503050203030202" pitchFamily="18" charset="0"/>
+                          </a:rPr>
+                          <m:t>𝑛</m:t>
+                        </m:r>
+                      </m:e>
+                    </m:d>
+                  </m:oMath>
+                </a14:m>
+                <a:r>
+                  <a:rPr lang="en-US" sz="1400" dirty="0">
+                    <a:effectLst/>
+                    <a:latin typeface="Times New Roman" panose="02020603050405020304" pitchFamily="18" charset="0"/>
+                    <a:ea typeface="Calibri" panose="020F0502020204030204" pitchFamily="34" charset="0"/>
+                    <a:cs typeface="Times New Roman" panose="02020603050405020304" pitchFamily="18" charset="0"/>
+                  </a:rPr>
+                  <a:t>.</a:t>
+                </a:r>
+                <a:endParaRPr lang="ru-RU" sz="1400" dirty="0">
+                  <a:effectLst/>
+                  <a:latin typeface="Calibri" panose="020F0502020204030204" pitchFamily="34" charset="0"/>
+                  <a:ea typeface="Calibri" panose="020F0502020204030204" pitchFamily="34" charset="0"/>
+                  <a:cs typeface="Mangal" panose="02040503050203030202" pitchFamily="18" charset="0"/>
+                </a:endParaRPr>
               </a:p>
             </p:txBody>
           </p:sp>
@@ -10669,10 +11362,14 @@
               </p:nvPr>
             </p:nvSpPr>
             <p:spPr>
+              <a:xfrm>
+                <a:off x="838200" y="1253331"/>
+                <a:ext cx="10515600" cy="4351338"/>
+              </a:xfrm>
               <a:blipFill>
                 <a:blip r:embed="rId2"/>
                 <a:stretch>
-                  <a:fillRect l="-232" r="-174"/>
+                  <a:fillRect l="-174" r="-116" b="-18794"/>
                 </a:stretch>
               </a:blipFill>
             </p:spPr>
@@ -10773,6 +11470,730 @@
           <p:cNvPr id="2" name="Заголовок 1">
             <a:extLst>
               <a:ext uri="{FF2B5EF4-FFF2-40B4-BE49-F238E27FC236}">
+                <a16:creationId xmlns:a16="http://schemas.microsoft.com/office/drawing/2014/main" id="{FC5322AD-6E9F-AA96-AF66-5B599DAA8995}"/>
+              </a:ext>
+            </a:extLst>
+          </p:cNvPr>
+          <p:cNvSpPr>
+            <a:spLocks noGrp="1"/>
+          </p:cNvSpPr>
+          <p:nvPr>
+            <p:ph type="title"/>
+          </p:nvPr>
+        </p:nvSpPr>
+        <p:spPr/>
+        <p:txBody>
+          <a:bodyPr/>
+          <a:lstStyle/>
+          <a:p>
+            <a:pPr algn="ctr"/>
+            <a:r>
+              <a:rPr lang="ru-RU" dirty="0">
+                <a:latin typeface="Times New Roman" panose="02020603050405020304" pitchFamily="18" charset="0"/>
+                <a:cs typeface="Times New Roman" panose="02020603050405020304" pitchFamily="18" charset="0"/>
+              </a:rPr>
+              <a:t>Тест Дикки-Фуллера</a:t>
+            </a:r>
+            <a:endParaRPr lang="ru-RU" dirty="0"/>
+          </a:p>
+        </p:txBody>
+      </p:sp>
+      <mc:AlternateContent xmlns:mc="http://schemas.openxmlformats.org/markup-compatibility/2006">
+        <mc:Choice xmlns:a14="http://schemas.microsoft.com/office/drawing/2010/main" Requires="a14">
+          <p:sp>
+            <p:nvSpPr>
+              <p:cNvPr id="3" name="Объект 2">
+                <a:extLst>
+                  <a:ext uri="{FF2B5EF4-FFF2-40B4-BE49-F238E27FC236}">
+                    <a16:creationId xmlns:a16="http://schemas.microsoft.com/office/drawing/2014/main" id="{5C9EA77C-45EE-0F02-6074-3A875185385B}"/>
+                  </a:ext>
+                </a:extLst>
+              </p:cNvPr>
+              <p:cNvSpPr>
+                <a:spLocks noGrp="1"/>
+              </p:cNvSpPr>
+              <p:nvPr>
+                <p:ph idx="1"/>
+              </p:nvPr>
+            </p:nvSpPr>
+            <p:spPr/>
+            <p:txBody>
+              <a:bodyPr>
+                <a:noAutofit/>
+              </a:bodyPr>
+              <a:lstStyle/>
+              <a:p>
+                <a:pPr marL="0" indent="0">
+                  <a:buNone/>
+                </a:pPr>
+                <a:r>
+                  <a:rPr lang="ru-RU" sz="1600" dirty="0">
+                    <a:latin typeface="Times New Roman" panose="02020603050405020304" pitchFamily="18" charset="0"/>
+                    <a:cs typeface="Times New Roman" panose="02020603050405020304" pitchFamily="18" charset="0"/>
+                  </a:rPr>
+                  <a:t>При помощи этого теста проверяют значение коэффициента </a:t>
+                </a:r>
+                <a14:m>
+                  <m:oMath xmlns:m="http://schemas.openxmlformats.org/officeDocument/2006/math">
+                    <m:r>
+                      <a:rPr lang="en-US" sz="1600" b="0" i="1" dirty="0" smtClean="0">
+                        <a:latin typeface="Cambria Math" panose="02040503050406030204" pitchFamily="18" charset="0"/>
+                        <a:cs typeface="Times New Roman" panose="02020603050405020304" pitchFamily="18" charset="0"/>
+                      </a:rPr>
+                      <m:t>𝑎</m:t>
+                    </m:r>
+                  </m:oMath>
+                </a14:m>
+                <a:r>
+                  <a:rPr lang="ru-RU" sz="1600" dirty="0">
+                    <a:latin typeface="Times New Roman" panose="02020603050405020304" pitchFamily="18" charset="0"/>
+                    <a:cs typeface="Times New Roman" panose="02020603050405020304" pitchFamily="18" charset="0"/>
+                  </a:rPr>
+                  <a:t> в</a:t>
+                </a:r>
+                <a:r>
+                  <a:rPr lang="en-US" sz="1600" dirty="0">
+                    <a:latin typeface="Times New Roman" panose="02020603050405020304" pitchFamily="18" charset="0"/>
+                    <a:cs typeface="Times New Roman" panose="02020603050405020304" pitchFamily="18" charset="0"/>
+                  </a:rPr>
+                  <a:t> </a:t>
+                </a:r>
+                <a:r>
+                  <a:rPr lang="ru-RU" sz="1600" dirty="0">
+                    <a:latin typeface="Times New Roman" panose="02020603050405020304" pitchFamily="18" charset="0"/>
+                    <a:cs typeface="Times New Roman" panose="02020603050405020304" pitchFamily="18" charset="0"/>
+                  </a:rPr>
+                  <a:t>авторегрессионном уравнении первого порядка</a:t>
+                </a:r>
+                <a:r>
+                  <a:rPr lang="en-US" sz="1600" dirty="0">
+                    <a:latin typeface="Times New Roman" panose="02020603050405020304" pitchFamily="18" charset="0"/>
+                    <a:cs typeface="Times New Roman" panose="02020603050405020304" pitchFamily="18" charset="0"/>
+                  </a:rPr>
+                  <a:t> </a:t>
+                </a:r>
+                <a:r>
+                  <a:rPr lang="ru-RU" sz="1600" dirty="0">
+                    <a:latin typeface="Times New Roman" panose="02020603050405020304" pitchFamily="18" charset="0"/>
+                    <a:cs typeface="Times New Roman" panose="02020603050405020304" pitchFamily="18" charset="0"/>
+                  </a:rPr>
+                  <a:t>AR(1):</a:t>
+                </a:r>
+                <a:endParaRPr lang="en-US" sz="1600" dirty="0">
+                  <a:latin typeface="Times New Roman" panose="02020603050405020304" pitchFamily="18" charset="0"/>
+                  <a:cs typeface="Times New Roman" panose="02020603050405020304" pitchFamily="18" charset="0"/>
+                </a:endParaRPr>
+              </a:p>
+              <a:p>
+                <a:pPr marL="0" indent="0">
+                  <a:buNone/>
+                </a:pPr>
+                <a:endParaRPr lang="ru-RU" sz="1600" dirty="0">
+                  <a:latin typeface="Times New Roman" panose="02020603050405020304" pitchFamily="18" charset="0"/>
+                  <a:cs typeface="Times New Roman" panose="02020603050405020304" pitchFamily="18" charset="0"/>
+                </a:endParaRPr>
+              </a:p>
+              <a:p>
+                <a:pPr marL="0" indent="0" algn="ctr">
+                  <a:lnSpc>
+                    <a:spcPct val="150000"/>
+                  </a:lnSpc>
+                  <a:buNone/>
+                </a:pPr>
+                <a14:m>
+                  <m:oMathPara xmlns:m="http://schemas.openxmlformats.org/officeDocument/2006/math">
+                    <m:oMathParaPr>
+                      <m:jc m:val="center"/>
+                    </m:oMathParaPr>
+                    <m:oMath xmlns:m="http://schemas.openxmlformats.org/officeDocument/2006/math">
+                      <m:sSub>
+                        <m:sSubPr>
+                          <m:ctrlPr>
+                            <a:rPr lang="ru-RU" sz="1800" i="1" kern="100" smtClean="0">
+                              <a:effectLst/>
+                              <a:latin typeface="Cambria Math" panose="02040503050406030204" pitchFamily="18" charset="0"/>
+                              <a:ea typeface="Calibri" panose="020F0502020204030204" pitchFamily="34" charset="0"/>
+                              <a:cs typeface="Mangal" panose="02040503050203030202" pitchFamily="18" charset="0"/>
+                            </a:rPr>
+                          </m:ctrlPr>
+                        </m:sSubPr>
+                        <m:e>
+                          <m:r>
+                            <a:rPr lang="en-US" sz="1800" i="1" kern="100">
+                              <a:effectLst/>
+                              <a:latin typeface="Cambria Math" panose="02040503050406030204" pitchFamily="18" charset="0"/>
+                              <a:ea typeface="Calibri" panose="020F0502020204030204" pitchFamily="34" charset="0"/>
+                              <a:cs typeface="Mangal" panose="02040503050203030202" pitchFamily="18" charset="0"/>
+                            </a:rPr>
+                            <m:t>𝑦</m:t>
+                          </m:r>
+                        </m:e>
+                        <m:sub>
+                          <m:r>
+                            <a:rPr lang="ru-RU" sz="1800" i="1" kern="100">
+                              <a:effectLst/>
+                              <a:latin typeface="Cambria Math" panose="02040503050406030204" pitchFamily="18" charset="0"/>
+                              <a:ea typeface="Calibri" panose="020F0502020204030204" pitchFamily="34" charset="0"/>
+                              <a:cs typeface="Mangal" panose="02040503050203030202" pitchFamily="18" charset="0"/>
+                            </a:rPr>
+                            <m:t>𝑡</m:t>
+                          </m:r>
+                        </m:sub>
+                      </m:sSub>
+                      <m:r>
+                        <a:rPr lang="ru-RU" sz="1800" i="1" kern="100">
+                          <a:effectLst/>
+                          <a:latin typeface="Cambria Math" panose="02040503050406030204" pitchFamily="18" charset="0"/>
+                          <a:ea typeface="Calibri" panose="020F0502020204030204" pitchFamily="34" charset="0"/>
+                          <a:cs typeface="Mangal" panose="02040503050203030202" pitchFamily="18" charset="0"/>
+                        </a:rPr>
+                        <m:t>=</m:t>
+                      </m:r>
+                      <m:r>
+                        <a:rPr lang="en-US" sz="1800" i="1" kern="100">
+                          <a:effectLst/>
+                          <a:latin typeface="Cambria Math" panose="02040503050406030204" pitchFamily="18" charset="0"/>
+                          <a:ea typeface="Calibri" panose="020F0502020204030204" pitchFamily="34" charset="0"/>
+                          <a:cs typeface="Mangal" panose="02040503050203030202" pitchFamily="18" charset="0"/>
+                        </a:rPr>
+                        <m:t>𝛼</m:t>
+                      </m:r>
+                      <m:r>
+                        <a:rPr lang="en-US" sz="1800" i="1" kern="100">
+                          <a:effectLst/>
+                          <a:latin typeface="Cambria Math" panose="02040503050406030204" pitchFamily="18" charset="0"/>
+                          <a:ea typeface="Calibri" panose="020F0502020204030204" pitchFamily="34" charset="0"/>
+                          <a:cs typeface="Mangal" panose="02040503050203030202" pitchFamily="18" charset="0"/>
+                        </a:rPr>
+                        <m:t>∗</m:t>
+                      </m:r>
+                      <m:sSub>
+                        <m:sSubPr>
+                          <m:ctrlPr>
+                            <a:rPr lang="ru-RU" sz="1800" i="1" kern="100">
+                              <a:effectLst/>
+                              <a:latin typeface="Cambria Math" panose="02040503050406030204" pitchFamily="18" charset="0"/>
+                              <a:ea typeface="Calibri" panose="020F0502020204030204" pitchFamily="34" charset="0"/>
+                              <a:cs typeface="Mangal" panose="02040503050203030202" pitchFamily="18" charset="0"/>
+                            </a:rPr>
+                          </m:ctrlPr>
+                        </m:sSubPr>
+                        <m:e>
+                          <m:r>
+                            <a:rPr lang="en-US" sz="1800" i="1" kern="100">
+                              <a:effectLst/>
+                              <a:latin typeface="Cambria Math" panose="02040503050406030204" pitchFamily="18" charset="0"/>
+                              <a:ea typeface="Calibri" panose="020F0502020204030204" pitchFamily="34" charset="0"/>
+                              <a:cs typeface="Mangal" panose="02040503050203030202" pitchFamily="18" charset="0"/>
+                            </a:rPr>
+                            <m:t>𝑦</m:t>
+                          </m:r>
+                        </m:e>
+                        <m:sub>
+                          <m:r>
+                            <a:rPr lang="ru-RU" sz="1800" i="1" kern="100">
+                              <a:effectLst/>
+                              <a:latin typeface="Cambria Math" panose="02040503050406030204" pitchFamily="18" charset="0"/>
+                              <a:ea typeface="Calibri" panose="020F0502020204030204" pitchFamily="34" charset="0"/>
+                              <a:cs typeface="Mangal" panose="02040503050203030202" pitchFamily="18" charset="0"/>
+                            </a:rPr>
+                            <m:t>𝑡</m:t>
+                          </m:r>
+                          <m:r>
+                            <a:rPr lang="ru-RU" sz="1800" i="1" kern="100">
+                              <a:effectLst/>
+                              <a:latin typeface="Cambria Math" panose="02040503050406030204" pitchFamily="18" charset="0"/>
+                              <a:ea typeface="Calibri" panose="020F0502020204030204" pitchFamily="34" charset="0"/>
+                              <a:cs typeface="Mangal" panose="02040503050203030202" pitchFamily="18" charset="0"/>
+                            </a:rPr>
+                            <m:t>−1</m:t>
+                          </m:r>
+                        </m:sub>
+                      </m:sSub>
+                      <m:r>
+                        <a:rPr lang="ru-RU" sz="1800" i="1" kern="100">
+                          <a:effectLst/>
+                          <a:latin typeface="Cambria Math" panose="02040503050406030204" pitchFamily="18" charset="0"/>
+                          <a:ea typeface="Calibri" panose="020F0502020204030204" pitchFamily="34" charset="0"/>
+                          <a:cs typeface="Mangal" panose="02040503050203030202" pitchFamily="18" charset="0"/>
+                        </a:rPr>
+                        <m:t>+</m:t>
+                      </m:r>
+                      <m:sSub>
+                        <m:sSubPr>
+                          <m:ctrlPr>
+                            <a:rPr lang="ru-RU" sz="1800" i="1" kern="100">
+                              <a:effectLst/>
+                              <a:latin typeface="Cambria Math" panose="02040503050406030204" pitchFamily="18" charset="0"/>
+                              <a:ea typeface="Calibri" panose="020F0502020204030204" pitchFamily="34" charset="0"/>
+                              <a:cs typeface="Mangal" panose="02040503050203030202" pitchFamily="18" charset="0"/>
+                            </a:rPr>
+                          </m:ctrlPr>
+                        </m:sSubPr>
+                        <m:e>
+                          <m:r>
+                            <a:rPr lang="en-US" sz="1800" i="1" kern="100">
+                              <a:effectLst/>
+                              <a:latin typeface="Cambria Math" panose="02040503050406030204" pitchFamily="18" charset="0"/>
+                              <a:ea typeface="Calibri" panose="020F0502020204030204" pitchFamily="34" charset="0"/>
+                              <a:cs typeface="Mangal" panose="02040503050203030202" pitchFamily="18" charset="0"/>
+                            </a:rPr>
+                            <m:t>𝜀</m:t>
+                          </m:r>
+                        </m:e>
+                        <m:sub>
+                          <m:r>
+                            <a:rPr lang="ru-RU" sz="1800" i="1" kern="100">
+                              <a:effectLst/>
+                              <a:latin typeface="Cambria Math" panose="02040503050406030204" pitchFamily="18" charset="0"/>
+                              <a:ea typeface="Calibri" panose="020F0502020204030204" pitchFamily="34" charset="0"/>
+                              <a:cs typeface="Mangal" panose="02040503050203030202" pitchFamily="18" charset="0"/>
+                            </a:rPr>
+                            <m:t>𝑡</m:t>
+                          </m:r>
+                        </m:sub>
+                      </m:sSub>
+                      <m:r>
+                        <a:rPr lang="ru-RU" sz="1800" i="1" kern="100">
+                          <a:effectLst/>
+                          <a:latin typeface="Cambria Math" panose="02040503050406030204" pitchFamily="18" charset="0"/>
+                          <a:ea typeface="DengXian" panose="02010600030101010101" pitchFamily="2" charset="-122"/>
+                          <a:cs typeface="Mangal" panose="02040503050203030202" pitchFamily="18" charset="0"/>
+                        </a:rPr>
+                        <m:t>,</m:t>
+                      </m:r>
+                    </m:oMath>
+                  </m:oMathPara>
+                </a14:m>
+                <a:endParaRPr lang="en-US" sz="1800" dirty="0">
+                  <a:effectLst/>
+                  <a:latin typeface="Calibri" panose="020F0502020204030204" pitchFamily="34" charset="0"/>
+                  <a:ea typeface="Calibri" panose="020F0502020204030204" pitchFamily="34" charset="0"/>
+                  <a:cs typeface="Mangal" panose="02040503050203030202" pitchFamily="18" charset="0"/>
+                </a:endParaRPr>
+              </a:p>
+              <a:p>
+                <a:pPr marL="0" indent="0" algn="ctr">
+                  <a:lnSpc>
+                    <a:spcPct val="150000"/>
+                  </a:lnSpc>
+                  <a:buNone/>
+                </a:pPr>
+                <a:endParaRPr lang="ru-RU" sz="1600" dirty="0">
+                  <a:effectLst/>
+                  <a:latin typeface="Times New Roman" panose="02020603050405020304" pitchFamily="18" charset="0"/>
+                  <a:ea typeface="Calibri" panose="020F0502020204030204" pitchFamily="34" charset="0"/>
+                  <a:cs typeface="Times New Roman" panose="02020603050405020304" pitchFamily="18" charset="0"/>
+                </a:endParaRPr>
+              </a:p>
+              <a:p>
+                <a:pPr algn="just">
+                  <a:lnSpc>
+                    <a:spcPct val="150000"/>
+                  </a:lnSpc>
+                </a:pPr>
+                <a:r>
+                  <a:rPr lang="ru-RU" sz="1800" kern="100" dirty="0">
+                    <a:effectLst/>
+                    <a:latin typeface="Times New Roman" panose="02020603050405020304" pitchFamily="18" charset="0"/>
+                    <a:ea typeface="DengXian" panose="02010600030101010101" pitchFamily="2" charset="-122"/>
+                    <a:cs typeface="Mangal" panose="02040503050203030202" pitchFamily="18" charset="0"/>
+                  </a:rPr>
+                  <a:t>где </a:t>
+                </a:r>
+                <a14:m>
+                  <m:oMath xmlns:m="http://schemas.openxmlformats.org/officeDocument/2006/math">
+                    <m:sSub>
+                      <m:sSubPr>
+                        <m:ctrlPr>
+                          <a:rPr lang="ru-RU" sz="1600" i="1" kern="100">
+                            <a:effectLst/>
+                            <a:latin typeface="Cambria Math" panose="02040503050406030204" pitchFamily="18" charset="0"/>
+                            <a:ea typeface="Calibri" panose="020F0502020204030204" pitchFamily="34" charset="0"/>
+                            <a:cs typeface="Mangal" panose="02040503050203030202" pitchFamily="18" charset="0"/>
+                          </a:rPr>
+                        </m:ctrlPr>
+                      </m:sSubPr>
+                      <m:e>
+                        <m:r>
+                          <a:rPr lang="en-US" sz="1600" i="1" kern="100">
+                            <a:effectLst/>
+                            <a:latin typeface="Cambria Math" panose="02040503050406030204" pitchFamily="18" charset="0"/>
+                            <a:ea typeface="Calibri" panose="020F0502020204030204" pitchFamily="34" charset="0"/>
+                            <a:cs typeface="Mangal" panose="02040503050203030202" pitchFamily="18" charset="0"/>
+                          </a:rPr>
+                          <m:t>𝑦</m:t>
+                        </m:r>
+                      </m:e>
+                      <m:sub>
+                        <m:r>
+                          <a:rPr lang="ru-RU" sz="1600" i="1" kern="100">
+                            <a:effectLst/>
+                            <a:latin typeface="Cambria Math" panose="02040503050406030204" pitchFamily="18" charset="0"/>
+                            <a:ea typeface="Calibri" panose="020F0502020204030204" pitchFamily="34" charset="0"/>
+                            <a:cs typeface="Mangal" panose="02040503050203030202" pitchFamily="18" charset="0"/>
+                          </a:rPr>
+                          <m:t>𝑡</m:t>
+                        </m:r>
+                      </m:sub>
+                    </m:sSub>
+                  </m:oMath>
+                </a14:m>
+                <a:r>
+                  <a:rPr lang="ru-RU" sz="1800" kern="100" dirty="0">
+                    <a:effectLst/>
+                    <a:latin typeface="Times New Roman" panose="02020603050405020304" pitchFamily="18" charset="0"/>
+                    <a:ea typeface="DengXian" panose="02010600030101010101" pitchFamily="2" charset="-122"/>
+                    <a:cs typeface="Mangal" panose="02040503050203030202" pitchFamily="18" charset="0"/>
+                  </a:rPr>
+                  <a:t> </a:t>
+                </a:r>
+                <a:r>
+                  <a:rPr lang="ru-RU" sz="1800" kern="100" dirty="0">
+                    <a:effectLst/>
+                    <a:latin typeface="Times New Roman" panose="02020603050405020304" pitchFamily="18" charset="0"/>
+                    <a:ea typeface="Calibri" panose="020F0502020204030204" pitchFamily="34" charset="0"/>
+                    <a:cs typeface="Mangal" panose="02040503050203030202" pitchFamily="18" charset="0"/>
+                  </a:rPr>
+                  <a:t>— является временным рядом;</a:t>
+                </a:r>
+                <a:endParaRPr lang="en-US" sz="1800" dirty="0">
+                  <a:latin typeface="Calibri" panose="020F0502020204030204" pitchFamily="34" charset="0"/>
+                  <a:ea typeface="Calibri" panose="020F0502020204030204" pitchFamily="34" charset="0"/>
+                  <a:cs typeface="Mangal" panose="02040503050203030202" pitchFamily="18" charset="0"/>
+                </a:endParaRPr>
+              </a:p>
+              <a:p>
+                <a:pPr algn="just">
+                  <a:lnSpc>
+                    <a:spcPct val="150000"/>
+                  </a:lnSpc>
+                </a:pPr>
+                <a14:m>
+                  <m:oMath xmlns:m="http://schemas.openxmlformats.org/officeDocument/2006/math">
+                    <m:sSub>
+                      <m:sSubPr>
+                        <m:ctrlPr>
+                          <a:rPr lang="ru-RU" sz="1600" i="1" kern="100">
+                            <a:effectLst/>
+                            <a:latin typeface="Cambria Math" panose="02040503050406030204" pitchFamily="18" charset="0"/>
+                            <a:ea typeface="Calibri" panose="020F0502020204030204" pitchFamily="34" charset="0"/>
+                            <a:cs typeface="Mangal" panose="02040503050203030202" pitchFamily="18" charset="0"/>
+                          </a:rPr>
+                        </m:ctrlPr>
+                      </m:sSubPr>
+                      <m:e>
+                        <m:r>
+                          <a:rPr lang="en-US" sz="1600" i="1" kern="100">
+                            <a:effectLst/>
+                            <a:latin typeface="Cambria Math" panose="02040503050406030204" pitchFamily="18" charset="0"/>
+                            <a:ea typeface="Calibri" panose="020F0502020204030204" pitchFamily="34" charset="0"/>
+                            <a:cs typeface="Mangal" panose="02040503050203030202" pitchFamily="18" charset="0"/>
+                          </a:rPr>
+                          <m:t>𝜀</m:t>
+                        </m:r>
+                      </m:e>
+                      <m:sub>
+                        <m:r>
+                          <a:rPr lang="ru-RU" sz="1600" i="1" kern="100">
+                            <a:effectLst/>
+                            <a:latin typeface="Cambria Math" panose="02040503050406030204" pitchFamily="18" charset="0"/>
+                            <a:ea typeface="Calibri" panose="020F0502020204030204" pitchFamily="34" charset="0"/>
+                            <a:cs typeface="Mangal" panose="02040503050203030202" pitchFamily="18" charset="0"/>
+                          </a:rPr>
+                          <m:t>𝑡</m:t>
+                        </m:r>
+                        <m:r>
+                          <a:rPr lang="ru-RU" sz="1600" i="1" kern="100">
+                            <a:effectLst/>
+                            <a:latin typeface="Cambria Math" panose="02040503050406030204" pitchFamily="18" charset="0"/>
+                            <a:ea typeface="Calibri" panose="020F0502020204030204" pitchFamily="34" charset="0"/>
+                            <a:cs typeface="Mangal" panose="02040503050203030202" pitchFamily="18" charset="0"/>
+                          </a:rPr>
+                          <m:t> </m:t>
+                        </m:r>
+                      </m:sub>
+                    </m:sSub>
+                    <m:r>
+                      <a:rPr lang="ru-RU" sz="1600" kern="100">
+                        <a:effectLst/>
+                        <a:latin typeface="Cambria Math" panose="02040503050406030204" pitchFamily="18" charset="0"/>
+                        <a:ea typeface="Calibri" panose="020F0502020204030204" pitchFamily="34" charset="0"/>
+                        <a:cs typeface="Mangal" panose="02040503050203030202" pitchFamily="18" charset="0"/>
+                      </a:rPr>
+                      <m:t>—</m:t>
+                    </m:r>
+                  </m:oMath>
+                </a14:m>
+                <a:r>
+                  <a:rPr lang="ru-RU" sz="1800" kern="100" dirty="0">
+                    <a:effectLst/>
+                    <a:latin typeface="Times New Roman" panose="02020603050405020304" pitchFamily="18" charset="0"/>
+                    <a:ea typeface="DengXian" panose="02010600030101010101" pitchFamily="2" charset="-122"/>
+                    <a:cs typeface="Mangal" panose="02040503050203030202" pitchFamily="18" charset="0"/>
+                  </a:rPr>
+                  <a:t> ошибка</a:t>
+                </a:r>
+                <a:r>
+                  <a:rPr lang="en-US" sz="1800" kern="100" dirty="0">
+                    <a:effectLst/>
+                    <a:latin typeface="Times New Roman" panose="02020603050405020304" pitchFamily="18" charset="0"/>
+                    <a:ea typeface="DengXian" panose="02010600030101010101" pitchFamily="2" charset="-122"/>
+                    <a:cs typeface="Mangal" panose="02040503050203030202" pitchFamily="18" charset="0"/>
+                  </a:rPr>
+                  <a:t>.</a:t>
+                </a:r>
+                <a:endParaRPr lang="ru-RU" sz="1800" dirty="0">
+                  <a:effectLst/>
+                  <a:latin typeface="Calibri" panose="020F0502020204030204" pitchFamily="34" charset="0"/>
+                  <a:ea typeface="Calibri" panose="020F0502020204030204" pitchFamily="34" charset="0"/>
+                  <a:cs typeface="Mangal" panose="02040503050203030202" pitchFamily="18" charset="0"/>
+                </a:endParaRPr>
+              </a:p>
+              <a:p>
+                <a:pPr marL="0" indent="0">
+                  <a:buNone/>
+                </a:pPr>
+                <a:r>
+                  <a:rPr lang="ru-RU" sz="1600" dirty="0">
+                    <a:latin typeface="Times New Roman" panose="02020603050405020304" pitchFamily="18" charset="0"/>
+                    <a:cs typeface="Times New Roman" panose="02020603050405020304" pitchFamily="18" charset="0"/>
+                  </a:rPr>
+                  <a:t>Если </a:t>
+                </a:r>
+                <a14:m>
+                  <m:oMath xmlns:m="http://schemas.openxmlformats.org/officeDocument/2006/math">
+                    <m:r>
+                      <a:rPr lang="en-US" sz="1800" b="0" i="1" dirty="0" smtClean="0">
+                        <a:latin typeface="Cambria Math" panose="02040503050406030204" pitchFamily="18" charset="0"/>
+                        <a:cs typeface="Times New Roman" panose="02020603050405020304" pitchFamily="18" charset="0"/>
+                      </a:rPr>
+                      <m:t>𝑎</m:t>
+                    </m:r>
+                  </m:oMath>
+                </a14:m>
+                <a:r>
+                  <a:rPr lang="ru-RU" sz="1600" dirty="0">
+                    <a:latin typeface="Times New Roman" panose="02020603050405020304" pitchFamily="18" charset="0"/>
+                    <a:cs typeface="Times New Roman" panose="02020603050405020304" pitchFamily="18" charset="0"/>
+                  </a:rPr>
+                  <a:t> = 1, то процесс имеет единичный корень, в этом случае ряд </a:t>
+                </a:r>
+                <a14:m>
+                  <m:oMath xmlns:m="http://schemas.openxmlformats.org/officeDocument/2006/math">
+                    <m:sSub>
+                      <m:sSubPr>
+                        <m:ctrlPr>
+                          <a:rPr lang="ru-RU" sz="1800" i="1" kern="100">
+                            <a:latin typeface="Cambria Math" panose="02040503050406030204" pitchFamily="18" charset="0"/>
+                            <a:ea typeface="Calibri" panose="020F0502020204030204" pitchFamily="34" charset="0"/>
+                            <a:cs typeface="Mangal" panose="02040503050203030202" pitchFamily="18" charset="0"/>
+                          </a:rPr>
+                        </m:ctrlPr>
+                      </m:sSubPr>
+                      <m:e>
+                        <m:r>
+                          <a:rPr lang="en-US" sz="1800" i="1" kern="100">
+                            <a:latin typeface="Cambria Math" panose="02040503050406030204" pitchFamily="18" charset="0"/>
+                            <a:ea typeface="Calibri" panose="020F0502020204030204" pitchFamily="34" charset="0"/>
+                            <a:cs typeface="Mangal" panose="02040503050203030202" pitchFamily="18" charset="0"/>
+                          </a:rPr>
+                          <m:t>𝑦</m:t>
+                        </m:r>
+                      </m:e>
+                      <m:sub>
+                        <m:r>
+                          <a:rPr lang="ru-RU" sz="1800" i="1" kern="100">
+                            <a:latin typeface="Cambria Math" panose="02040503050406030204" pitchFamily="18" charset="0"/>
+                            <a:ea typeface="Calibri" panose="020F0502020204030204" pitchFamily="34" charset="0"/>
+                            <a:cs typeface="Mangal" panose="02040503050203030202" pitchFamily="18" charset="0"/>
+                          </a:rPr>
+                          <m:t>𝑡</m:t>
+                        </m:r>
+                      </m:sub>
+                    </m:sSub>
+                  </m:oMath>
+                </a14:m>
+                <a:r>
+                  <a:rPr lang="ru-RU" sz="1600" dirty="0">
+                    <a:latin typeface="Times New Roman" panose="02020603050405020304" pitchFamily="18" charset="0"/>
+                    <a:cs typeface="Times New Roman" panose="02020603050405020304" pitchFamily="18" charset="0"/>
+                  </a:rPr>
+                  <a:t> нестационарен. Если </a:t>
+                </a:r>
+                <a14:m>
+                  <m:oMath xmlns:m="http://schemas.openxmlformats.org/officeDocument/2006/math">
+                    <m:d>
+                      <m:dPr>
+                        <m:begChr m:val="|"/>
+                        <m:endChr m:val="|"/>
+                        <m:ctrlPr>
+                          <a:rPr lang="en-US" sz="1800" i="1" dirty="0" smtClean="0">
+                            <a:latin typeface="Cambria Math" panose="02040503050406030204" pitchFamily="18" charset="0"/>
+                            <a:cs typeface="Times New Roman" panose="02020603050405020304" pitchFamily="18" charset="0"/>
+                          </a:rPr>
+                        </m:ctrlPr>
+                      </m:dPr>
+                      <m:e>
+                        <m:r>
+                          <a:rPr lang="en-US" sz="1800" b="0" i="1" dirty="0" smtClean="0">
+                            <a:latin typeface="Cambria Math" panose="02040503050406030204" pitchFamily="18" charset="0"/>
+                            <a:cs typeface="Times New Roman" panose="02020603050405020304" pitchFamily="18" charset="0"/>
+                          </a:rPr>
+                          <m:t>𝑎</m:t>
+                        </m:r>
+                      </m:e>
+                    </m:d>
+                    <m:r>
+                      <a:rPr lang="en-US" sz="1800" b="0" i="1" dirty="0" smtClean="0">
+                        <a:latin typeface="Cambria Math" panose="02040503050406030204" pitchFamily="18" charset="0"/>
+                        <a:cs typeface="Times New Roman" panose="02020603050405020304" pitchFamily="18" charset="0"/>
+                      </a:rPr>
+                      <m:t>&lt;1</m:t>
+                    </m:r>
+                  </m:oMath>
+                </a14:m>
+                <a:r>
+                  <a:rPr lang="ru-RU" sz="1600" dirty="0">
+                    <a:latin typeface="Times New Roman" panose="02020603050405020304" pitchFamily="18" charset="0"/>
+                    <a:cs typeface="Times New Roman" panose="02020603050405020304" pitchFamily="18" charset="0"/>
+                  </a:rPr>
+                  <a:t>, то ряд стационарный. </a:t>
+                </a:r>
+                <a:endParaRPr lang="en-US" sz="1600" dirty="0">
+                  <a:latin typeface="Times New Roman" panose="02020603050405020304" pitchFamily="18" charset="0"/>
+                  <a:cs typeface="Times New Roman" panose="02020603050405020304" pitchFamily="18" charset="0"/>
+                </a:endParaRPr>
+              </a:p>
+              <a:p>
+                <a:pPr marL="0" indent="0">
+                  <a:buNone/>
+                </a:pPr>
+                <a:r>
+                  <a:rPr lang="ru-RU" sz="1600" dirty="0">
+                    <a:latin typeface="Times New Roman" panose="02020603050405020304" pitchFamily="18" charset="0"/>
+                    <a:cs typeface="Times New Roman" panose="02020603050405020304" pitchFamily="18" charset="0"/>
+                  </a:rPr>
+                  <a:t>Тест Дикки-Фуллера рассчитывает p-статистику, в случае </a:t>
+                </a:r>
+                <a14:m>
+                  <m:oMath xmlns:m="http://schemas.openxmlformats.org/officeDocument/2006/math">
+                    <m:r>
+                      <a:rPr lang="en-US" sz="1800" b="0" i="1" dirty="0" smtClean="0">
+                        <a:latin typeface="Cambria Math" panose="02040503050406030204" pitchFamily="18" charset="0"/>
+                        <a:cs typeface="Times New Roman" panose="02020603050405020304" pitchFamily="18" charset="0"/>
+                      </a:rPr>
+                      <m:t>𝑝</m:t>
+                    </m:r>
+                    <m:r>
+                      <a:rPr lang="en-US" sz="1800" b="0" i="1" dirty="0" smtClean="0">
+                        <a:latin typeface="Cambria Math" panose="02040503050406030204" pitchFamily="18" charset="0"/>
+                        <a:cs typeface="Times New Roman" panose="02020603050405020304" pitchFamily="18" charset="0"/>
+                      </a:rPr>
+                      <m:t>&lt;0.05</m:t>
+                    </m:r>
+                  </m:oMath>
+                </a14:m>
+                <a:r>
+                  <a:rPr lang="ru-RU" sz="1600" dirty="0">
+                    <a:latin typeface="Times New Roman" panose="02020603050405020304" pitchFamily="18" charset="0"/>
+                    <a:cs typeface="Times New Roman" panose="02020603050405020304" pitchFamily="18" charset="0"/>
+                  </a:rPr>
+                  <a:t> гипотеза о</a:t>
+                </a:r>
+                <a:r>
+                  <a:rPr lang="en-US" sz="1600" dirty="0">
+                    <a:latin typeface="Times New Roman" panose="02020603050405020304" pitchFamily="18" charset="0"/>
+                    <a:cs typeface="Times New Roman" panose="02020603050405020304" pitchFamily="18" charset="0"/>
+                  </a:rPr>
+                  <a:t> </a:t>
+                </a:r>
+                <a:r>
+                  <a:rPr lang="ru-RU" sz="1600" dirty="0">
+                    <a:latin typeface="Times New Roman" panose="02020603050405020304" pitchFamily="18" charset="0"/>
+                    <a:cs typeface="Times New Roman" panose="02020603050405020304" pitchFamily="18" charset="0"/>
+                  </a:rPr>
+                  <a:t>стационарности ряда не отвергается.</a:t>
+                </a:r>
+              </a:p>
+            </p:txBody>
+          </p:sp>
+        </mc:Choice>
+        <mc:Fallback>
+          <p:sp>
+            <p:nvSpPr>
+              <p:cNvPr id="3" name="Объект 2">
+                <a:extLst>
+                  <a:ext uri="{FF2B5EF4-FFF2-40B4-BE49-F238E27FC236}">
+                    <a16:creationId xmlns:a16="http://schemas.microsoft.com/office/drawing/2014/main" id="{5C9EA77C-45EE-0F02-6074-3A875185385B}"/>
+                  </a:ext>
+                </a:extLst>
+              </p:cNvPr>
+              <p:cNvSpPr>
+                <a:spLocks noGrp="1" noRot="1" noChangeAspect="1" noMove="1" noResize="1" noEditPoints="1" noAdjustHandles="1" noChangeArrowheads="1" noChangeShapeType="1" noTextEdit="1"/>
+              </p:cNvSpPr>
+              <p:nvPr>
+                <p:ph idx="1"/>
+              </p:nvPr>
+            </p:nvSpPr>
+            <p:spPr>
+              <a:blipFill>
+                <a:blip r:embed="rId2"/>
+                <a:stretch>
+                  <a:fillRect l="-406" t="-980"/>
+                </a:stretch>
+              </a:blipFill>
+            </p:spPr>
+            <p:txBody>
+              <a:bodyPr/>
+              <a:lstStyle/>
+              <a:p>
+                <a:r>
+                  <a:rPr lang="ru-RU">
+                    <a:noFill/>
+                  </a:rPr>
+                  <a:t> </a:t>
+                </a:r>
+              </a:p>
+            </p:txBody>
+          </p:sp>
+        </mc:Fallback>
+      </mc:AlternateContent>
+    </p:spTree>
+    <p:extLst>
+      <p:ext uri="{BB962C8B-B14F-4D97-AF65-F5344CB8AC3E}">
+        <p14:creationId xmlns:p14="http://schemas.microsoft.com/office/powerpoint/2010/main" val="1847729745"/>
+      </p:ext>
+    </p:extLst>
+  </p:cSld>
+  <p:clrMapOvr>
+    <a:masterClrMapping/>
+  </p:clrMapOvr>
+</p:sld>
+</file>
+
+<file path=ppt/slides/slide6.xml><?xml version="1.0" encoding="utf-8"?>
+<p:sld xmlns:a="http://schemas.openxmlformats.org/drawingml/2006/main" xmlns:r="http://schemas.openxmlformats.org/officeDocument/2006/relationships" xmlns:p="http://schemas.openxmlformats.org/presentationml/2006/main">
+  <p:cSld>
+    <p:spTree>
+      <p:nvGrpSpPr>
+        <p:cNvPr id="1" name=""/>
+        <p:cNvGrpSpPr/>
+        <p:nvPr/>
+      </p:nvGrpSpPr>
+      <p:grpSpPr>
+        <a:xfrm>
+          <a:off x="0" y="0"/>
+          <a:ext cx="0" cy="0"/>
+          <a:chOff x="0" y="0"/>
+          <a:chExt cx="0" cy="0"/>
+        </a:xfrm>
+      </p:grpSpPr>
+      <p:sp>
+        <p:nvSpPr>
+          <p:cNvPr id="2" name="Заголовок 1">
+            <a:extLst>
+              <a:ext uri="{FF2B5EF4-FFF2-40B4-BE49-F238E27FC236}">
                 <a16:creationId xmlns:a16="http://schemas.microsoft.com/office/drawing/2014/main" id="{D8116FDE-8B9A-6836-E0D5-E783B32A2E66}"/>
               </a:ext>
             </a:extLst>
@@ -10821,8 +12242,8 @@
           </a:p>
         </p:txBody>
       </p:sp>
-      <mc:AlternateContent xmlns:mc="http://schemas.openxmlformats.org/markup-compatibility/2006" xmlns:a14="http://schemas.microsoft.com/office/drawing/2010/main">
-        <mc:Choice Requires="a14">
+      <mc:AlternateContent xmlns:mc="http://schemas.openxmlformats.org/markup-compatibility/2006">
+        <mc:Choice xmlns:a14="http://schemas.microsoft.com/office/drawing/2010/main" Requires="a14">
           <p:sp>
             <p:nvSpPr>
               <p:cNvPr id="3" name="Объект 2">
@@ -10842,7 +12263,7 @@
             <p:spPr/>
             <p:txBody>
               <a:bodyPr>
-                <a:normAutofit/>
+                <a:normAutofit lnSpcReduction="10000"/>
               </a:bodyPr>
               <a:lstStyle/>
               <a:p>
@@ -10973,10 +12394,27 @@
                   </a:rPr>
                   <a:t> вперёд, тогда из предположения о сохранении зависимостей между предыдущими и следующими членами ряда определим следующую модель</a:t>
                 </a:r>
-                <a:endParaRPr lang="en-US" sz="2400" b="0" i="1" dirty="0">
+                <a:endParaRPr lang="en-US" sz="1800" dirty="0">
                   <a:effectLst/>
-                  <a:latin typeface="Cambria Math" panose="02040503050406030204" pitchFamily="18" charset="0"/>
+                  <a:latin typeface="Times New Roman" panose="02020603050405020304" pitchFamily="18" charset="0"/>
+                  <a:ea typeface="Calibri" panose="020F0502020204030204" pitchFamily="34" charset="0"/>
                   <a:cs typeface="Arial" panose="020B0604020202020204" pitchFamily="34" charset="0"/>
+                </a:endParaRPr>
+              </a:p>
+              <a:p>
+                <a:pPr marL="0" indent="0" algn="just">
+                  <a:lnSpc>
+                    <a:spcPct val="150000"/>
+                  </a:lnSpc>
+                  <a:spcAft>
+                    <a:spcPts val="1000"/>
+                  </a:spcAft>
+                  <a:buNone/>
+                </a:pPr>
+                <a:endParaRPr lang="en-US" sz="1800" b="0" i="1" dirty="0">
+                  <a:effectLst/>
+                  <a:latin typeface="Times New Roman" panose="02020603050405020304" pitchFamily="18" charset="0"/>
+                  <a:cs typeface="Times New Roman" panose="02020603050405020304" pitchFamily="18" charset="0"/>
                 </a:endParaRPr>
               </a:p>
               <a:p>
@@ -10994,7 +12432,7 @@
                     <m:sSub>
                       <m:sSubPr>
                         <m:ctrlPr>
-                          <a:rPr lang="fr-FR" sz="1500" i="1">
+                          <a:rPr lang="fr-FR" sz="1800" i="1">
                             <a:latin typeface="Cambria Math" panose="02040503050406030204" pitchFamily="18" charset="0"/>
                             <a:cs typeface="Arial" panose="020B0604020202020204" pitchFamily="34" charset="0"/>
                           </a:rPr>
@@ -11002,7 +12440,7 @@
                       </m:sSubPr>
                       <m:e>
                         <m:r>
-                          <a:rPr lang="fr-FR" sz="1500" i="1">
+                          <a:rPr lang="fr-FR" sz="1800" i="1">
                             <a:latin typeface="Cambria Math" panose="02040503050406030204" pitchFamily="18" charset="0"/>
                             <a:cs typeface="Arial" panose="020B0604020202020204" pitchFamily="34" charset="0"/>
                           </a:rPr>
@@ -11011,21 +12449,21 @@
                       </m:e>
                       <m:sub>
                         <m:r>
-                          <a:rPr lang="fr-FR" sz="1500" i="1">
+                          <a:rPr lang="fr-FR" sz="1800" i="1">
                             <a:latin typeface="Cambria Math" panose="02040503050406030204" pitchFamily="18" charset="0"/>
                             <a:cs typeface="Arial" panose="020B0604020202020204" pitchFamily="34" charset="0"/>
                           </a:rPr>
                           <m:t>𝑡</m:t>
                         </m:r>
                         <m:r>
-                          <a:rPr lang="ru-RU" sz="1500" b="0" i="1" smtClean="0">
+                          <a:rPr lang="ru-RU" sz="1800" b="0" i="1" smtClean="0">
                             <a:latin typeface="Cambria Math" panose="02040503050406030204" pitchFamily="18" charset="0"/>
                             <a:cs typeface="Arial" panose="020B0604020202020204" pitchFamily="34" charset="0"/>
                           </a:rPr>
                           <m:t>+</m:t>
                         </m:r>
                         <m:r>
-                          <a:rPr lang="en-US" sz="1500" b="0" i="1" smtClean="0">
+                          <a:rPr lang="en-US" sz="1800" b="0" i="1" smtClean="0">
                             <a:latin typeface="Cambria Math" panose="02040503050406030204" pitchFamily="18" charset="0"/>
                             <a:cs typeface="Arial" panose="020B0604020202020204" pitchFamily="34" charset="0"/>
                           </a:rPr>
@@ -11034,7 +12472,7 @@
                       </m:sub>
                     </m:sSub>
                     <m:r>
-                      <a:rPr lang="fr-FR" sz="1500" i="1">
+                      <a:rPr lang="fr-FR" sz="1800" i="1">
                         <a:latin typeface="Cambria Math" panose="02040503050406030204" pitchFamily="18" charset="0"/>
                         <a:cs typeface="Arial" panose="020B0604020202020204" pitchFamily="34" charset="0"/>
                       </a:rPr>
@@ -11043,7 +12481,7 @@
                     <m:sSub>
                       <m:sSubPr>
                         <m:ctrlPr>
-                          <a:rPr lang="en-US" sz="1500" b="0" i="1" smtClean="0">
+                          <a:rPr lang="en-US" sz="1800" b="0" i="1" smtClean="0">
                             <a:latin typeface="Cambria Math" panose="02040503050406030204" pitchFamily="18" charset="0"/>
                             <a:cs typeface="Arial" panose="020B0604020202020204" pitchFamily="34" charset="0"/>
                           </a:rPr>
@@ -11051,7 +12489,7 @@
                       </m:sSubPr>
                       <m:e>
                         <m:r>
-                          <a:rPr lang="fr-FR" sz="1500" i="1">
+                          <a:rPr lang="fr-FR" sz="1800" i="1">
                             <a:latin typeface="Cambria Math" panose="02040503050406030204" pitchFamily="18" charset="0"/>
                             <a:cs typeface="Arial" panose="020B0604020202020204" pitchFamily="34" charset="0"/>
                           </a:rPr>
@@ -11060,7 +12498,7 @@
                       </m:e>
                       <m:sub>
                         <m:r>
-                          <a:rPr lang="en-US" sz="1500" b="0" i="1" smtClean="0">
+                          <a:rPr lang="en-US" sz="1800" b="0" i="1" smtClean="0">
                             <a:latin typeface="Cambria Math" panose="02040503050406030204" pitchFamily="18" charset="0"/>
                             <a:cs typeface="Arial" panose="020B0604020202020204" pitchFamily="34" charset="0"/>
                           </a:rPr>
@@ -11069,7 +12507,7 @@
                       </m:sub>
                     </m:sSub>
                     <m:r>
-                      <a:rPr lang="fr-FR" sz="1500" i="1">
+                      <a:rPr lang="fr-FR" sz="1800" i="1">
                         <a:latin typeface="Cambria Math" panose="02040503050406030204" pitchFamily="18" charset="0"/>
                         <a:cs typeface="Arial" panose="020B0604020202020204" pitchFamily="34" charset="0"/>
                       </a:rPr>
@@ -11078,7 +12516,7 @@
                     <m:sSub>
                       <m:sSubPr>
                         <m:ctrlPr>
-                          <a:rPr lang="fr-FR" sz="1500" i="1">
+                          <a:rPr lang="fr-FR" sz="1800" i="1">
                             <a:latin typeface="Cambria Math" panose="02040503050406030204" pitchFamily="18" charset="0"/>
                             <a:cs typeface="Arial" panose="020B0604020202020204" pitchFamily="34" charset="0"/>
                           </a:rPr>
@@ -11086,7 +12524,7 @@
                       </m:sSubPr>
                       <m:e>
                         <m:r>
-                          <a:rPr lang="fr-FR" sz="1500" i="1">
+                          <a:rPr lang="fr-FR" sz="1800" i="1">
                             <a:latin typeface="Cambria Math" panose="02040503050406030204" pitchFamily="18" charset="0"/>
                             <a:cs typeface="Arial" panose="020B0604020202020204" pitchFamily="34" charset="0"/>
                           </a:rPr>
@@ -11095,7 +12533,7 @@
                       </m:e>
                       <m:sub>
                         <m:r>
-                          <a:rPr lang="fr-FR" sz="1500" i="1">
+                          <a:rPr lang="fr-FR" sz="1800" i="1">
                             <a:latin typeface="Cambria Math" panose="02040503050406030204" pitchFamily="18" charset="0"/>
                             <a:cs typeface="Arial" panose="020B0604020202020204" pitchFamily="34" charset="0"/>
                           </a:rPr>
@@ -11106,7 +12544,7 @@
                     <m:sSub>
                       <m:sSubPr>
                         <m:ctrlPr>
-                          <a:rPr lang="fr-FR" sz="1500" i="1">
+                          <a:rPr lang="fr-FR" sz="1800" i="1">
                             <a:latin typeface="Cambria Math" panose="02040503050406030204" pitchFamily="18" charset="0"/>
                             <a:cs typeface="Arial" panose="020B0604020202020204" pitchFamily="34" charset="0"/>
                           </a:rPr>
@@ -11114,7 +12552,7 @@
                       </m:sSubPr>
                       <m:e>
                         <m:r>
-                          <a:rPr lang="fr-FR" sz="1500" i="1">
+                          <a:rPr lang="fr-FR" sz="1800" i="1">
                             <a:latin typeface="Cambria Math" panose="02040503050406030204" pitchFamily="18" charset="0"/>
                             <a:cs typeface="Arial" panose="020B0604020202020204" pitchFamily="34" charset="0"/>
                           </a:rPr>
@@ -11123,7 +12561,7 @@
                       </m:e>
                       <m:sub>
                         <m:r>
-                          <a:rPr lang="fr-FR" sz="1500" i="1">
+                          <a:rPr lang="fr-FR" sz="1800" i="1">
                             <a:latin typeface="Cambria Math" panose="02040503050406030204" pitchFamily="18" charset="0"/>
                             <a:cs typeface="Arial" panose="020B0604020202020204" pitchFamily="34" charset="0"/>
                           </a:rPr>
@@ -11132,7 +12570,7 @@
                       </m:sub>
                     </m:sSub>
                     <m:r>
-                      <a:rPr lang="fr-FR" sz="1500" i="1">
+                      <a:rPr lang="fr-FR" sz="1800" i="1">
                         <a:latin typeface="Cambria Math" panose="02040503050406030204" pitchFamily="18" charset="0"/>
                         <a:cs typeface="Arial" panose="020B0604020202020204" pitchFamily="34" charset="0"/>
                       </a:rPr>
@@ -11141,7 +12579,7 @@
                     <m:sSub>
                       <m:sSubPr>
                         <m:ctrlPr>
-                          <a:rPr lang="fr-FR" sz="1500" i="1">
+                          <a:rPr lang="fr-FR" sz="1800" i="1">
                             <a:latin typeface="Cambria Math" panose="02040503050406030204" pitchFamily="18" charset="0"/>
                             <a:cs typeface="Arial" panose="020B0604020202020204" pitchFamily="34" charset="0"/>
                           </a:rPr>
@@ -11149,7 +12587,7 @@
                       </m:sSubPr>
                       <m:e>
                         <m:r>
-                          <a:rPr lang="fr-FR" sz="1500" i="1">
+                          <a:rPr lang="fr-FR" sz="1800" i="1">
                             <a:latin typeface="Cambria Math" panose="02040503050406030204" pitchFamily="18" charset="0"/>
                             <a:cs typeface="Arial" panose="020B0604020202020204" pitchFamily="34" charset="0"/>
                           </a:rPr>
@@ -11158,7 +12596,7 @@
                       </m:e>
                       <m:sub>
                         <m:r>
-                          <a:rPr lang="en-US" sz="1500" b="0" i="1" smtClean="0">
+                          <a:rPr lang="en-US" sz="1800" b="0" i="1" smtClean="0">
                             <a:latin typeface="Cambria Math" panose="02040503050406030204" pitchFamily="18" charset="0"/>
                             <a:cs typeface="Arial" panose="020B0604020202020204" pitchFamily="34" charset="0"/>
                           </a:rPr>
@@ -11169,7 +12607,7 @@
                     <m:sSub>
                       <m:sSubPr>
                         <m:ctrlPr>
-                          <a:rPr lang="fr-FR" sz="1500" i="1">
+                          <a:rPr lang="fr-FR" sz="1800" i="1">
                             <a:latin typeface="Cambria Math" panose="02040503050406030204" pitchFamily="18" charset="0"/>
                             <a:cs typeface="Arial" panose="020B0604020202020204" pitchFamily="34" charset="0"/>
                           </a:rPr>
@@ -11177,7 +12615,7 @@
                       </m:sSubPr>
                       <m:e>
                         <m:r>
-                          <a:rPr lang="fr-FR" sz="1500" i="1">
+                          <a:rPr lang="fr-FR" sz="1800" i="1">
                             <a:latin typeface="Cambria Math" panose="02040503050406030204" pitchFamily="18" charset="0"/>
                             <a:cs typeface="Arial" panose="020B0604020202020204" pitchFamily="34" charset="0"/>
                           </a:rPr>
@@ -11186,14 +12624,14 @@
                       </m:e>
                       <m:sub>
                         <m:r>
-                          <a:rPr lang="fr-FR" sz="1500" i="1">
+                          <a:rPr lang="fr-FR" sz="1800" i="1">
                             <a:latin typeface="Cambria Math" panose="02040503050406030204" pitchFamily="18" charset="0"/>
                             <a:cs typeface="Arial" panose="020B0604020202020204" pitchFamily="34" charset="0"/>
                           </a:rPr>
                           <m:t>𝑡</m:t>
                         </m:r>
                         <m:r>
-                          <a:rPr lang="en-US" sz="1500" b="0" i="1" smtClean="0">
+                          <a:rPr lang="en-US" sz="1800" b="0" i="1" smtClean="0">
                             <a:latin typeface="Cambria Math" panose="02040503050406030204" pitchFamily="18" charset="0"/>
                             <a:cs typeface="Arial" panose="020B0604020202020204" pitchFamily="34" charset="0"/>
                           </a:rPr>
@@ -11202,14 +12640,14 @@
                       </m:sub>
                     </m:sSub>
                     <m:r>
-                      <a:rPr lang="en-US" sz="1500" b="0" i="1" smtClean="0">
+                      <a:rPr lang="en-US" sz="1800" b="0" i="1" smtClean="0">
                         <a:latin typeface="Cambria Math" panose="02040503050406030204" pitchFamily="18" charset="0"/>
                         <a:cs typeface="Arial" panose="020B0604020202020204" pitchFamily="34" charset="0"/>
                       </a:rPr>
                       <m:t>+</m:t>
                     </m:r>
                     <m:r>
-                      <a:rPr lang="fr-FR" sz="1500" i="1">
+                      <a:rPr lang="fr-FR" sz="1800" i="1">
                         <a:latin typeface="Cambria Math" panose="02040503050406030204" pitchFamily="18" charset="0"/>
                         <a:cs typeface="Arial" panose="020B0604020202020204" pitchFamily="34" charset="0"/>
                       </a:rPr>
@@ -11218,7 +12656,7 @@
                     <m:sSub>
                       <m:sSubPr>
                         <m:ctrlPr>
-                          <a:rPr lang="fr-FR" sz="1500" i="1">
+                          <a:rPr lang="fr-FR" sz="1800" i="1">
                             <a:latin typeface="Cambria Math" panose="02040503050406030204" pitchFamily="18" charset="0"/>
                             <a:cs typeface="Arial" panose="020B0604020202020204" pitchFamily="34" charset="0"/>
                           </a:rPr>
@@ -11226,21 +12664,21 @@
                       </m:sSubPr>
                       <m:e>
                         <m:r>
-                          <a:rPr lang="en-US" sz="1500" b="0" i="1" smtClean="0">
+                          <a:rPr lang="en-US" sz="1800" b="0" i="1" smtClean="0">
                             <a:latin typeface="Cambria Math" panose="02040503050406030204" pitchFamily="18" charset="0"/>
                             <a:cs typeface="Arial" panose="020B0604020202020204" pitchFamily="34" charset="0"/>
                           </a:rPr>
                           <m:t>+</m:t>
                         </m:r>
                         <m:r>
-                          <a:rPr lang="ru-RU" sz="1500" b="0" i="1" smtClean="0">
+                          <a:rPr lang="ru-RU" sz="1800" b="0" i="1" smtClean="0">
                             <a:latin typeface="Cambria Math" panose="02040503050406030204" pitchFamily="18" charset="0"/>
                             <a:cs typeface="Arial" panose="020B0604020202020204" pitchFamily="34" charset="0"/>
                           </a:rPr>
                           <m:t> </m:t>
                         </m:r>
                         <m:r>
-                          <a:rPr lang="fr-FR" sz="1500" i="1">
+                          <a:rPr lang="fr-FR" sz="1800" i="1">
                             <a:latin typeface="Cambria Math" panose="02040503050406030204" pitchFamily="18" charset="0"/>
                             <a:cs typeface="Arial" panose="020B0604020202020204" pitchFamily="34" charset="0"/>
                           </a:rPr>
@@ -11249,21 +12687,21 @@
                       </m:e>
                       <m:sub>
                         <m:r>
-                          <a:rPr lang="fr-FR" sz="1500" i="1">
+                          <a:rPr lang="fr-FR" sz="1800" i="1">
                             <a:latin typeface="Cambria Math" panose="02040503050406030204" pitchFamily="18" charset="0"/>
                             <a:cs typeface="Arial" panose="020B0604020202020204" pitchFamily="34" charset="0"/>
                           </a:rPr>
                           <m:t>1</m:t>
                         </m:r>
                         <m:r>
-                          <a:rPr lang="en-US" sz="1500" b="0" i="1" smtClean="0">
+                          <a:rPr lang="en-US" sz="1800" b="0" i="1" smtClean="0">
                             <a:latin typeface="Cambria Math" panose="02040503050406030204" pitchFamily="18" charset="0"/>
                             <a:cs typeface="Arial" panose="020B0604020202020204" pitchFamily="34" charset="0"/>
                           </a:rPr>
                           <m:t>+</m:t>
                         </m:r>
                         <m:r>
-                          <a:rPr lang="en-US" sz="1500" b="0" i="1" smtClean="0">
+                          <a:rPr lang="en-US" sz="1800" b="0" i="1" smtClean="0">
                             <a:latin typeface="Cambria Math" panose="02040503050406030204" pitchFamily="18" charset="0"/>
                             <a:ea typeface="Cambria Math" panose="02040503050406030204" pitchFamily="18" charset="0"/>
                             <a:cs typeface="Arial" panose="020B0604020202020204" pitchFamily="34" charset="0"/>
@@ -11275,7 +12713,7 @@
                     <m:sSub>
                       <m:sSubPr>
                         <m:ctrlPr>
-                          <a:rPr lang="fr-FR" sz="1500" i="1">
+                          <a:rPr lang="fr-FR" sz="1800" i="1">
                             <a:latin typeface="Cambria Math" panose="02040503050406030204" pitchFamily="18" charset="0"/>
                             <a:cs typeface="Arial" panose="020B0604020202020204" pitchFamily="34" charset="0"/>
                           </a:rPr>
@@ -11283,7 +12721,7 @@
                       </m:sSubPr>
                       <m:e>
                         <m:r>
-                          <a:rPr lang="fr-FR" sz="1500" i="1">
+                          <a:rPr lang="fr-FR" sz="1800" i="1">
                             <a:latin typeface="Cambria Math" panose="02040503050406030204" pitchFamily="18" charset="0"/>
                             <a:cs typeface="Arial" panose="020B0604020202020204" pitchFamily="34" charset="0"/>
                           </a:rPr>
@@ -11292,21 +12730,21 @@
                       </m:e>
                       <m:sub>
                         <m:r>
-                          <a:rPr lang="fr-FR" sz="1500" i="1">
+                          <a:rPr lang="fr-FR" sz="1800" i="1">
                             <a:latin typeface="Cambria Math" panose="02040503050406030204" pitchFamily="18" charset="0"/>
                             <a:cs typeface="Arial" panose="020B0604020202020204" pitchFamily="34" charset="0"/>
                           </a:rPr>
                           <m:t>𝑡</m:t>
                         </m:r>
                         <m:r>
-                          <a:rPr lang="en-US" sz="1500" b="0" i="1" smtClean="0">
+                          <a:rPr lang="en-US" sz="1800" b="0" i="1" smtClean="0">
                             <a:latin typeface="Cambria Math" panose="02040503050406030204" pitchFamily="18" charset="0"/>
                             <a:cs typeface="Arial" panose="020B0604020202020204" pitchFamily="34" charset="0"/>
                           </a:rPr>
                           <m:t>−</m:t>
                         </m:r>
                         <m:r>
-                          <a:rPr lang="en-US" sz="1500" i="1">
+                          <a:rPr lang="en-US" sz="1800" i="1">
                             <a:latin typeface="Cambria Math" panose="02040503050406030204" pitchFamily="18" charset="0"/>
                             <a:ea typeface="Cambria Math" panose="02040503050406030204" pitchFamily="18" charset="0"/>
                             <a:cs typeface="Arial" panose="020B0604020202020204" pitchFamily="34" charset="0"/>
@@ -11316,7 +12754,7 @@
                       </m:sub>
                     </m:sSub>
                     <m:r>
-                      <a:rPr lang="ru-RU" sz="1500" b="0" i="1" smtClean="0">
+                      <a:rPr lang="ru-RU" sz="1800" b="0" i="1" smtClean="0">
                         <a:latin typeface="Cambria Math" panose="02040503050406030204" pitchFamily="18" charset="0"/>
                         <a:cs typeface="Arial" panose="020B0604020202020204" pitchFamily="34" charset="0"/>
                       </a:rPr>
@@ -11325,7 +12763,7 @@
                     <m:sSub>
                       <m:sSubPr>
                         <m:ctrlPr>
-                          <a:rPr lang="ru-RU" sz="1500" b="0" i="1" smtClean="0">
+                          <a:rPr lang="ru-RU" sz="1800" b="0" i="1" smtClean="0">
                             <a:latin typeface="Cambria Math" panose="02040503050406030204" pitchFamily="18" charset="0"/>
                             <a:ea typeface="Cambria Math" panose="02040503050406030204" pitchFamily="18" charset="0"/>
                             <a:cs typeface="Arial" panose="020B0604020202020204" pitchFamily="34" charset="0"/>
@@ -11334,7 +12772,7 @@
                       </m:sSubPr>
                       <m:e>
                         <m:r>
-                          <a:rPr lang="ru-RU" sz="1500" b="0" i="1" smtClean="0">
+                          <a:rPr lang="ru-RU" sz="1800" b="0" i="1" smtClean="0">
                             <a:latin typeface="Cambria Math" panose="02040503050406030204" pitchFamily="18" charset="0"/>
                             <a:ea typeface="Cambria Math" panose="02040503050406030204" pitchFamily="18" charset="0"/>
                             <a:cs typeface="Arial" panose="020B0604020202020204" pitchFamily="34" charset="0"/>
@@ -11344,7 +12782,7 @@
                       </m:e>
                       <m:sub>
                         <m:r>
-                          <a:rPr lang="en-US" sz="1500" b="0" i="1" smtClean="0">
+                          <a:rPr lang="en-US" sz="1800" b="0" i="1" smtClean="0">
                             <a:latin typeface="Cambria Math" panose="02040503050406030204" pitchFamily="18" charset="0"/>
                             <a:ea typeface="Cambria Math" panose="02040503050406030204" pitchFamily="18" charset="0"/>
                             <a:cs typeface="Arial" panose="020B0604020202020204" pitchFamily="34" charset="0"/>
@@ -11356,7 +12794,7 @@
                   </m:oMath>
                 </a14:m>
                 <a:r>
-                  <a:rPr lang="ru-RU" sz="1500" dirty="0">
+                  <a:rPr lang="ru-RU" sz="1800" dirty="0">
                     <a:effectLst/>
                     <a:latin typeface="Times New Roman" panose="02020603050405020304" pitchFamily="18" charset="0"/>
                     <a:ea typeface="Yu Mincho" panose="02020400000000000000" pitchFamily="18" charset="-128"/>
@@ -11364,7 +12802,24 @@
                   </a:rPr>
                   <a:t>,</a:t>
                 </a:r>
-                <a:endParaRPr lang="ru-RU" sz="1500" dirty="0">
+                <a:endParaRPr lang="en-US" sz="1800" dirty="0">
+                  <a:effectLst/>
+                  <a:latin typeface="Times New Roman" panose="02020603050405020304" pitchFamily="18" charset="0"/>
+                  <a:ea typeface="Yu Mincho" panose="02020400000000000000" pitchFamily="18" charset="-128"/>
+                  <a:cs typeface="Arial" panose="020B0604020202020204" pitchFamily="34" charset="0"/>
+                </a:endParaRPr>
+              </a:p>
+              <a:p>
+                <a:pPr marL="0" indent="0" algn="ctr">
+                  <a:lnSpc>
+                    <a:spcPct val="150000"/>
+                  </a:lnSpc>
+                  <a:spcAft>
+                    <a:spcPts val="1000"/>
+                  </a:spcAft>
+                  <a:buNone/>
+                </a:pPr>
+                <a:endParaRPr lang="ru-RU" sz="1800" dirty="0">
                   <a:effectLst/>
                   <a:latin typeface="Calibri" panose="020F0502020204030204" pitchFamily="34" charset="0"/>
                   <a:ea typeface="Calibri" panose="020F0502020204030204" pitchFamily="34" charset="0"/>
@@ -11711,7 +13166,7 @@
             </p:txBody>
           </p:sp>
         </mc:Choice>
-        <mc:Fallback xmlns="">
+        <mc:Fallback>
           <p:sp>
             <p:nvSpPr>
               <p:cNvPr id="3" name="Объект 2">
@@ -11811,7 +13266,7 @@
 </p:sld>
 </file>
 
-<file path=ppt/slides/slide6.xml><?xml version="1.0" encoding="utf-8"?>
+<file path=ppt/slides/slide7.xml><?xml version="1.0" encoding="utf-8"?>
 <p:sld xmlns:a="http://schemas.openxmlformats.org/drawingml/2006/main" xmlns:r="http://schemas.openxmlformats.org/officeDocument/2006/relationships" xmlns:p="http://schemas.openxmlformats.org/presentationml/2006/main">
   <p:cSld>
     <p:spTree>
@@ -11868,8 +13323,8 @@
           </a:p>
         </p:txBody>
       </p:sp>
-      <mc:AlternateContent xmlns:mc="http://schemas.openxmlformats.org/markup-compatibility/2006" xmlns:a14="http://schemas.microsoft.com/office/drawing/2010/main">
-        <mc:Choice Requires="a14">
+      <mc:AlternateContent xmlns:mc="http://schemas.openxmlformats.org/markup-compatibility/2006">
+        <mc:Choice xmlns:a14="http://schemas.microsoft.com/office/drawing/2010/main" Requires="a14">
           <p:sp>
             <p:nvSpPr>
               <p:cNvPr id="3" name="Объект 2">
@@ -11889,7 +13344,7 @@
             <p:spPr/>
             <p:txBody>
               <a:bodyPr>
-                <a:normAutofit/>
+                <a:normAutofit fontScale="92500" lnSpcReduction="20000"/>
               </a:bodyPr>
               <a:lstStyle/>
               <a:p>
@@ -11948,6 +13403,18 @@
                   </a:lnSpc>
                   <a:buNone/>
                 </a:pPr>
+                <a:endParaRPr lang="en-US" sz="1800" dirty="0">
+                  <a:latin typeface="Times New Roman" panose="02020603050405020304" pitchFamily="18" charset="0"/>
+                  <a:cs typeface="Times New Roman" panose="02020603050405020304" pitchFamily="18" charset="0"/>
+                </a:endParaRPr>
+              </a:p>
+              <a:p>
+                <a:pPr marL="0" indent="0">
+                  <a:lnSpc>
+                    <a:spcPct val="150000"/>
+                  </a:lnSpc>
+                  <a:buNone/>
+                </a:pPr>
                 <a14:m>
                   <m:oMathPara xmlns:m="http://schemas.openxmlformats.org/officeDocument/2006/math">
                     <m:oMathParaPr>
@@ -11955,7 +13422,7 @@
                     </m:oMathParaPr>
                     <m:oMath xmlns:m="http://schemas.openxmlformats.org/officeDocument/2006/math">
                       <m:r>
-                        <a:rPr lang="en-US" sz="1800" i="1" kern="100" smtClean="0">
+                        <a:rPr lang="en-US" sz="1900" i="1" kern="100" smtClean="0">
                           <a:effectLst/>
                           <a:latin typeface="Cambria Math" panose="02040503050406030204" pitchFamily="18" charset="0"/>
                           <a:ea typeface="Calibri" panose="020F0502020204030204" pitchFamily="34" charset="0"/>
@@ -11964,7 +13431,7 @@
                         <m:t>𝑀𝐴𝑃𝐸</m:t>
                       </m:r>
                       <m:r>
-                        <a:rPr lang="en-US" sz="1800" i="1" kern="100" smtClean="0">
+                        <a:rPr lang="en-US" sz="1900" i="1" kern="100" smtClean="0">
                           <a:effectLst/>
                           <a:latin typeface="Cambria Math" panose="02040503050406030204" pitchFamily="18" charset="0"/>
                           <a:ea typeface="Calibri" panose="020F0502020204030204" pitchFamily="34" charset="0"/>
@@ -11975,7 +13442,7 @@
                       <m:f>
                         <m:fPr>
                           <m:ctrlPr>
-                            <a:rPr lang="ru-RU" sz="1800" i="1" kern="100">
+                            <a:rPr lang="ru-RU" sz="1900" i="1" kern="100">
                               <a:effectLst/>
                               <a:latin typeface="Cambria Math" panose="02040503050406030204" pitchFamily="18" charset="0"/>
                               <a:ea typeface="Calibri" panose="020F0502020204030204" pitchFamily="34" charset="0"/>
@@ -11985,7 +13452,7 @@
                         </m:fPr>
                         <m:num>
                           <m:r>
-                            <a:rPr lang="en-US" sz="1800" i="1" kern="100">
+                            <a:rPr lang="en-US" sz="1900" i="1" kern="100">
                               <a:effectLst/>
                               <a:latin typeface="Cambria Math" panose="02040503050406030204" pitchFamily="18" charset="0"/>
                               <a:ea typeface="Calibri" panose="020F0502020204030204" pitchFamily="34" charset="0"/>
@@ -11996,7 +13463,7 @@
                         </m:num>
                         <m:den>
                           <m:r>
-                            <a:rPr lang="en-US" sz="1800" i="1" kern="100">
+                            <a:rPr lang="en-US" sz="1900" i="1" kern="100">
                               <a:effectLst/>
                               <a:latin typeface="Cambria Math" panose="02040503050406030204" pitchFamily="18" charset="0"/>
                               <a:ea typeface="Calibri" panose="020F0502020204030204" pitchFamily="34" charset="0"/>
@@ -12011,7 +13478,7 @@
                           <m:chr m:val="∑"/>
                           <m:limLoc m:val="undOvr"/>
                           <m:ctrlPr>
-                            <a:rPr lang="ru-RU" sz="1800" i="1" kern="100">
+                            <a:rPr lang="ru-RU" sz="1900" i="1" kern="100">
                               <a:effectLst/>
                               <a:latin typeface="Cambria Math" panose="02040503050406030204" pitchFamily="18" charset="0"/>
                               <a:ea typeface="Calibri" panose="020F0502020204030204" pitchFamily="34" charset="0"/>
@@ -12021,7 +13488,7 @@
                         </m:naryPr>
                         <m:sub>
                           <m:r>
-                            <a:rPr lang="en-US" sz="1800" i="1" kern="100">
+                            <a:rPr lang="en-US" sz="1900" i="1" kern="100">
                               <a:effectLst/>
                               <a:latin typeface="Cambria Math" panose="02040503050406030204" pitchFamily="18" charset="0"/>
                               <a:ea typeface="Calibri" panose="020F0502020204030204" pitchFamily="34" charset="0"/>
@@ -12030,7 +13497,7 @@
                             <m:t>𝑖</m:t>
                           </m:r>
                           <m:r>
-                            <a:rPr lang="en-US" sz="1800" i="1" kern="100">
+                            <a:rPr lang="en-US" sz="1900" i="1" kern="100">
                               <a:effectLst/>
                               <a:latin typeface="Cambria Math" panose="02040503050406030204" pitchFamily="18" charset="0"/>
                               <a:ea typeface="Calibri" panose="020F0502020204030204" pitchFamily="34" charset="0"/>
@@ -12041,7 +13508,7 @@
                         </m:sub>
                         <m:sup>
                           <m:r>
-                            <a:rPr lang="en-US" sz="1800" i="1" kern="100">
+                            <a:rPr lang="en-US" sz="1900" i="1" kern="100">
                               <a:effectLst/>
                               <a:latin typeface="Cambria Math" panose="02040503050406030204" pitchFamily="18" charset="0"/>
                               <a:ea typeface="Calibri" panose="020F0502020204030204" pitchFamily="34" charset="0"/>
@@ -12056,7 +13523,7 @@
                               <m:begChr m:val="|"/>
                               <m:endChr m:val="|"/>
                               <m:ctrlPr>
-                                <a:rPr lang="ru-RU" sz="1800" i="1" kern="100">
+                                <a:rPr lang="ru-RU" sz="1900" i="1" kern="100">
                                   <a:effectLst/>
                                   <a:latin typeface="Cambria Math" panose="02040503050406030204" pitchFamily="18" charset="0"/>
                                   <a:ea typeface="Calibri" panose="020F0502020204030204" pitchFamily="34" charset="0"/>
@@ -12068,7 +13535,7 @@
                               <m:f>
                                 <m:fPr>
                                   <m:ctrlPr>
-                                    <a:rPr lang="ru-RU" sz="1800" i="1" kern="100">
+                                    <a:rPr lang="ru-RU" sz="1900" i="1" kern="100">
                                       <a:effectLst/>
                                       <a:latin typeface="Cambria Math" panose="02040503050406030204" pitchFamily="18" charset="0"/>
                                       <a:ea typeface="Calibri" panose="020F0502020204030204" pitchFamily="34" charset="0"/>
@@ -12080,7 +13547,7 @@
                                   <m:sSub>
                                     <m:sSubPr>
                                       <m:ctrlPr>
-                                        <a:rPr lang="ru-RU" sz="1800" i="1" kern="100">
+                                        <a:rPr lang="ru-RU" sz="1900" i="1" kern="100">
                                           <a:effectLst/>
                                           <a:latin typeface="Cambria Math" panose="02040503050406030204" pitchFamily="18" charset="0"/>
                                           <a:ea typeface="Calibri" panose="020F0502020204030204" pitchFamily="34" charset="0"/>
@@ -12090,7 +13557,7 @@
                                     </m:sSubPr>
                                     <m:e>
                                       <m:r>
-                                        <a:rPr lang="en-US" sz="1800" i="1" kern="100">
+                                        <a:rPr lang="en-US" sz="1900" i="1" kern="100">
                                           <a:effectLst/>
                                           <a:latin typeface="Cambria Math" panose="02040503050406030204" pitchFamily="18" charset="0"/>
                                           <a:ea typeface="Calibri" panose="020F0502020204030204" pitchFamily="34" charset="0"/>
@@ -12101,7 +13568,7 @@
                                     </m:e>
                                     <m:sub>
                                       <m:r>
-                                        <a:rPr lang="en-US" sz="1800" i="1" kern="100">
+                                        <a:rPr lang="en-US" sz="1900" i="1" kern="100">
                                           <a:effectLst/>
                                           <a:latin typeface="Cambria Math" panose="02040503050406030204" pitchFamily="18" charset="0"/>
                                           <a:ea typeface="Calibri" panose="020F0502020204030204" pitchFamily="34" charset="0"/>
@@ -12116,7 +13583,7 @@
                                   <m:sSub>
                                     <m:sSubPr>
                                       <m:ctrlPr>
-                                        <a:rPr lang="ru-RU" sz="1800" i="1" kern="100">
+                                        <a:rPr lang="ru-RU" sz="1900" i="1" kern="100">
                                           <a:effectLst/>
                                           <a:latin typeface="Cambria Math" panose="02040503050406030204" pitchFamily="18" charset="0"/>
                                           <a:ea typeface="Calibri" panose="020F0502020204030204" pitchFamily="34" charset="0"/>
@@ -12126,7 +13593,7 @@
                                     </m:sSubPr>
                                     <m:e>
                                       <m:r>
-                                        <a:rPr lang="en-US" sz="1800" i="1" kern="100">
+                                        <a:rPr lang="en-US" sz="1900" i="1" kern="100">
                                           <a:effectLst/>
                                           <a:latin typeface="Cambria Math" panose="02040503050406030204" pitchFamily="18" charset="0"/>
                                           <a:ea typeface="Calibri" panose="020F0502020204030204" pitchFamily="34" charset="0"/>
@@ -12137,7 +13604,7 @@
                                     </m:e>
                                     <m:sub>
                                       <m:r>
-                                        <a:rPr lang="en-US" sz="1800" i="1" kern="100">
+                                        <a:rPr lang="en-US" sz="1900" i="1" kern="100">
                                           <a:effectLst/>
                                           <a:latin typeface="Cambria Math" panose="02040503050406030204" pitchFamily="18" charset="0"/>
                                           <a:ea typeface="Calibri" panose="020F0502020204030204" pitchFamily="34" charset="0"/>
@@ -12152,7 +13619,7 @@
                             </m:e>
                           </m:d>
                           <m:r>
-                            <a:rPr lang="en-US" sz="1800" i="1" kern="100">
+                            <a:rPr lang="en-US" sz="1900" i="1" kern="100">
                               <a:effectLst/>
                               <a:latin typeface="Cambria Math" panose="02040503050406030204" pitchFamily="18" charset="0"/>
                               <a:ea typeface="Calibri" panose="020F0502020204030204" pitchFamily="34" charset="0"/>
@@ -12165,6 +13632,20 @@
                     </m:oMath>
                   </m:oMathPara>
                 </a14:m>
+                <a:endParaRPr lang="en-US" sz="1900" kern="100" dirty="0">
+                  <a:effectLst/>
+                  <a:latin typeface="Times New Roman" panose="02020603050405020304" pitchFamily="18" charset="0"/>
+                  <a:ea typeface="Calibri" panose="020F0502020204030204" pitchFamily="34" charset="0"/>
+                  <a:cs typeface="Mangal" panose="02040503050203030202" pitchFamily="18" charset="0"/>
+                </a:endParaRPr>
+              </a:p>
+              <a:p>
+                <a:pPr marL="0" indent="0">
+                  <a:lnSpc>
+                    <a:spcPct val="150000"/>
+                  </a:lnSpc>
+                  <a:buNone/>
+                </a:pPr>
                 <a:endParaRPr lang="en-US" sz="1800" kern="100" dirty="0">
                   <a:effectLst/>
                   <a:latin typeface="Times New Roman" panose="02020603050405020304" pitchFamily="18" charset="0"/>
@@ -12437,7 +13918,7 @@
             </p:txBody>
           </p:sp>
         </mc:Choice>
-        <mc:Fallback xmlns="">
+        <mc:Fallback>
           <p:sp>
             <p:nvSpPr>
               <p:cNvPr id="3" name="Объект 2">
@@ -12458,7 +13939,7 @@
               <a:blipFill>
                 <a:blip r:embed="rId2"/>
                 <a:stretch>
-                  <a:fillRect l="-522"/>
+                  <a:fillRect l="-406"/>
                 </a:stretch>
               </a:blipFill>
             </p:spPr>
@@ -12537,7 +14018,7 @@
 </p:sld>
 </file>
 
-<file path=ppt/slides/slide7.xml><?xml version="1.0" encoding="utf-8"?>
+<file path=ppt/slides/slide8.xml><?xml version="1.0" encoding="utf-8"?>
 <p:sld xmlns:a="http://schemas.openxmlformats.org/drawingml/2006/main" xmlns:r="http://schemas.openxmlformats.org/officeDocument/2006/relationships" xmlns:p="http://schemas.openxmlformats.org/presentationml/2006/main">
   <p:cSld>
     <p:spTree>
@@ -13241,7 +14722,7 @@
 </p:sld>
 </file>
 
-<file path=ppt/slides/slide8.xml><?xml version="1.0" encoding="utf-8"?>
+<file path=ppt/slides/slide9.xml><?xml version="1.0" encoding="utf-8"?>
 <p:sld xmlns:a="http://schemas.openxmlformats.org/drawingml/2006/main" xmlns:r="http://schemas.openxmlformats.org/officeDocument/2006/relationships" xmlns:p="http://schemas.openxmlformats.org/presentationml/2006/main">
   <p:cSld>
     <p:spTree>
@@ -13544,230 +15025,6 @@
     <p:extLst>
       <p:ext uri="{BB962C8B-B14F-4D97-AF65-F5344CB8AC3E}">
         <p14:creationId xmlns:p14="http://schemas.microsoft.com/office/powerpoint/2010/main" val="1738971527"/>
-      </p:ext>
-    </p:extLst>
-  </p:cSld>
-  <p:clrMapOvr>
-    <a:masterClrMapping/>
-  </p:clrMapOvr>
-</p:sld>
-</file>
-
-<file path=ppt/slides/slide9.xml><?xml version="1.0" encoding="utf-8"?>
-<p:sld xmlns:a="http://schemas.openxmlformats.org/drawingml/2006/main" xmlns:r="http://schemas.openxmlformats.org/officeDocument/2006/relationships" xmlns:p="http://schemas.openxmlformats.org/presentationml/2006/main">
-  <p:cSld>
-    <p:spTree>
-      <p:nvGrpSpPr>
-        <p:cNvPr id="1" name=""/>
-        <p:cNvGrpSpPr/>
-        <p:nvPr/>
-      </p:nvGrpSpPr>
-      <p:grpSpPr>
-        <a:xfrm>
-          <a:off x="0" y="0"/>
-          <a:ext cx="0" cy="0"/>
-          <a:chOff x="0" y="0"/>
-          <a:chExt cx="0" cy="0"/>
-        </a:xfrm>
-      </p:grpSpPr>
-      <p:sp>
-        <p:nvSpPr>
-          <p:cNvPr id="2" name="Заголовок 1">
-            <a:extLst>
-              <a:ext uri="{FF2B5EF4-FFF2-40B4-BE49-F238E27FC236}">
-                <a16:creationId xmlns:a16="http://schemas.microsoft.com/office/drawing/2014/main" id="{EB37C43F-3201-CE65-8812-529EF4536E11}"/>
-              </a:ext>
-            </a:extLst>
-          </p:cNvPr>
-          <p:cNvSpPr>
-            <a:spLocks noGrp="1"/>
-          </p:cNvSpPr>
-          <p:nvPr>
-            <p:ph type="title"/>
-          </p:nvPr>
-        </p:nvSpPr>
-        <p:spPr/>
-        <p:txBody>
-          <a:bodyPr/>
-          <a:lstStyle/>
-          <a:p>
-            <a:pPr algn="ctr"/>
-            <a:r>
-              <a:rPr lang="ru-RU" sz="4400" dirty="0">
-                <a:solidFill>
-                  <a:schemeClr val="tx1"/>
-                </a:solidFill>
-                <a:latin typeface="Times New Roman" panose="02020603050405020304" pitchFamily="18" charset="0"/>
-                <a:cs typeface="Times New Roman" panose="02020603050405020304" pitchFamily="18" charset="0"/>
-              </a:rPr>
-              <a:t>Данные в </a:t>
-            </a:r>
-            <a:r>
-              <a:rPr lang="en-US" sz="4400" dirty="0">
-                <a:solidFill>
-                  <a:schemeClr val="tx1"/>
-                </a:solidFill>
-                <a:latin typeface="Times New Roman" panose="02020603050405020304" pitchFamily="18" charset="0"/>
-                <a:cs typeface="Times New Roman" panose="02020603050405020304" pitchFamily="18" charset="0"/>
-              </a:rPr>
-              <a:t>R</a:t>
-            </a:r>
-            <a:endParaRPr lang="ru-RU" dirty="0"/>
-          </a:p>
-        </p:txBody>
-      </p:sp>
-      <p:pic>
-        <p:nvPicPr>
-          <p:cNvPr id="4" name="Объект 3">
-            <a:extLst>
-              <a:ext uri="{FF2B5EF4-FFF2-40B4-BE49-F238E27FC236}">
-                <a16:creationId xmlns:a16="http://schemas.microsoft.com/office/drawing/2014/main" id="{F57472EA-EA5C-4D6F-3FF4-87B289CF3092}"/>
-              </a:ext>
-            </a:extLst>
-          </p:cNvPr>
-          <p:cNvPicPr>
-            <a:picLocks noGrp="1" noChangeAspect="1"/>
-          </p:cNvPicPr>
-          <p:nvPr>
-            <p:ph idx="1"/>
-          </p:nvPr>
-        </p:nvPicPr>
-        <p:blipFill>
-          <a:blip r:embed="rId2"/>
-          <a:stretch>
-            <a:fillRect/>
-          </a:stretch>
-        </p:blipFill>
-        <p:spPr>
-          <a:xfrm>
-            <a:off x="4101300" y="2134479"/>
-            <a:ext cx="3989399" cy="3590459"/>
-          </a:xfrm>
-          <a:prstGeom prst="rect">
-            <a:avLst/>
-          </a:prstGeom>
-        </p:spPr>
-      </p:pic>
-      <p:sp>
-        <p:nvSpPr>
-          <p:cNvPr id="6" name="TextBox 5">
-            <a:extLst>
-              <a:ext uri="{FF2B5EF4-FFF2-40B4-BE49-F238E27FC236}">
-                <a16:creationId xmlns:a16="http://schemas.microsoft.com/office/drawing/2014/main" id="{D0F6FB31-3D3E-4E52-4883-3F2EC219B65E}"/>
-              </a:ext>
-            </a:extLst>
-          </p:cNvPr>
-          <p:cNvSpPr txBox="1"/>
-          <p:nvPr/>
-        </p:nvSpPr>
-        <p:spPr>
-          <a:xfrm>
-            <a:off x="3047999" y="5724938"/>
-            <a:ext cx="6096000" cy="498663"/>
-          </a:xfrm>
-          <a:prstGeom prst="rect">
-            <a:avLst/>
-          </a:prstGeom>
-          <a:noFill/>
-        </p:spPr>
-        <p:txBody>
-          <a:bodyPr wrap="square">
-            <a:spAutoFit/>
-          </a:bodyPr>
-          <a:lstStyle/>
-          <a:p>
-            <a:pPr algn="ctr">
-              <a:lnSpc>
-                <a:spcPct val="150000"/>
-              </a:lnSpc>
-            </a:pPr>
-            <a:r>
-              <a:rPr lang="ru-RU" sz="1800" b="1" kern="100" dirty="0">
-                <a:effectLst/>
-                <a:latin typeface="Times New Roman" panose="02020603050405020304" pitchFamily="18" charset="0"/>
-                <a:ea typeface="Calibri" panose="020F0502020204030204" pitchFamily="34" charset="0"/>
-                <a:cs typeface="Mangal" panose="02040503050203030202" pitchFamily="18" charset="0"/>
-              </a:rPr>
-              <a:t>Рисунок 2 </a:t>
-            </a:r>
-            <a:r>
-              <a:rPr lang="ru-RU" sz="2000" b="1" kern="100" dirty="0">
-                <a:effectLst/>
-                <a:latin typeface="Times New Roman" panose="02020603050405020304" pitchFamily="18" charset="0"/>
-                <a:ea typeface="Calibri" panose="020F0502020204030204" pitchFamily="34" charset="0"/>
-                <a:cs typeface="Mangal" panose="02040503050203030202" pitchFamily="18" charset="0"/>
-              </a:rPr>
-              <a:t>—</a:t>
-            </a:r>
-            <a:r>
-              <a:rPr lang="ru-RU" sz="1800" b="1" kern="100" dirty="0">
-                <a:effectLst/>
-                <a:latin typeface="Times New Roman" panose="02020603050405020304" pitchFamily="18" charset="0"/>
-                <a:ea typeface="Calibri" panose="020F0502020204030204" pitchFamily="34" charset="0"/>
-                <a:cs typeface="Mangal" panose="02040503050203030202" pitchFamily="18" charset="0"/>
-              </a:rPr>
-              <a:t> Набор данных без максимум и минимум</a:t>
-            </a:r>
-            <a:endParaRPr lang="ru-RU" sz="2000" kern="100" dirty="0">
-              <a:effectLst/>
-              <a:latin typeface="Times New Roman" panose="02020603050405020304" pitchFamily="18" charset="0"/>
-              <a:ea typeface="Calibri" panose="020F0502020204030204" pitchFamily="34" charset="0"/>
-              <a:cs typeface="Mangal" panose="02040503050203030202" pitchFamily="18" charset="0"/>
-            </a:endParaRPr>
-          </a:p>
-        </p:txBody>
-      </p:sp>
-      <p:pic>
-        <p:nvPicPr>
-          <p:cNvPr id="3" name="Picture 8" descr="https://upload.wikimedia.org/wikipedia/commons/9/93/MIREA_logo.png">
-            <a:extLst>
-              <a:ext uri="{FF2B5EF4-FFF2-40B4-BE49-F238E27FC236}">
-                <a16:creationId xmlns:a16="http://schemas.microsoft.com/office/drawing/2014/main" id="{67D3D875-3C97-A02E-B77B-0032118AD7A5}"/>
-              </a:ext>
-            </a:extLst>
-          </p:cNvPr>
-          <p:cNvPicPr>
-            <a:picLocks noChangeAspect="1" noChangeArrowheads="1"/>
-          </p:cNvPicPr>
-          <p:nvPr/>
-        </p:nvPicPr>
-        <p:blipFill>
-          <a:blip r:embed="rId3" cstate="print">
-            <a:extLst>
-              <a:ext uri="{28A0092B-C50C-407E-A947-70E740481C1C}">
-                <a14:useLocalDpi xmlns:a14="http://schemas.microsoft.com/office/drawing/2010/main" val="0"/>
-              </a:ext>
-            </a:extLst>
-          </a:blip>
-          <a:srcRect/>
-          <a:stretch>
-            <a:fillRect/>
-          </a:stretch>
-        </p:blipFill>
-        <p:spPr bwMode="auto">
-          <a:xfrm>
-            <a:off x="10799117" y="1"/>
-            <a:ext cx="1391296" cy="1391800"/>
-          </a:xfrm>
-          <a:prstGeom prst="rect">
-            <a:avLst/>
-          </a:prstGeom>
-          <a:noFill/>
-          <a:extLst>
-            <a:ext uri="{909E8E84-426E-40DD-AFC4-6F175D3DCCD1}">
-              <a14:hiddenFill xmlns:a14="http://schemas.microsoft.com/office/drawing/2010/main">
-                <a:solidFill>
-                  <a:srgbClr val="FFFFFF"/>
-                </a:solidFill>
-              </a14:hiddenFill>
-            </a:ext>
-          </a:extLst>
-        </p:spPr>
-      </p:pic>
-    </p:spTree>
-    <p:extLst>
-      <p:ext uri="{BB962C8B-B14F-4D97-AF65-F5344CB8AC3E}">
-        <p14:creationId xmlns:p14="http://schemas.microsoft.com/office/powerpoint/2010/main" val="2325736706"/>
       </p:ext>
     </p:extLst>
   </p:cSld>

--- a/2 курс/4 семестр/Языки программирования для статистической обработки данных R/Курсовая_работа_КимКС.pptx
+++ b/2 курс/4 семестр/Языки программирования для статистической обработки данных R/Курсовая_работа_КимКС.pptx
@@ -8838,7 +8838,7 @@
               <a:buNone/>
             </a:pPr>
             <a:r>
-              <a:rPr lang="ru-RU" sz="1600" dirty="0">
+              <a:rPr lang="ru-RU" sz="2000" dirty="0">
                 <a:solidFill>
                   <a:srgbClr val="000000"/>
                 </a:solidFill>
@@ -8846,10 +8846,31 @@
                 <a:latin typeface="Times New Roman" panose="02020603050405020304" pitchFamily="18" charset="0"/>
                 <a:ea typeface="Times New Roman" panose="02020603050405020304" pitchFamily="18" charset="0"/>
               </a:rPr>
-              <a:t>В результате работы была разработана программа для прогнозирования временного ряда на основе линейных </a:t>
-            </a:r>
-            <a:r>
-              <a:rPr lang="ru-RU" sz="1600" dirty="0" err="1">
+              <a:t>В ходе выполнения курсовой работы на тему: «</a:t>
+            </a:r>
+            <a:r>
+              <a:rPr lang="ru-RU" sz="2000" dirty="0">
+                <a:latin typeface="Times New Roman" panose="02020603050405020304" pitchFamily="18" charset="0"/>
+                <a:cs typeface="Times New Roman" panose="02020603050405020304" pitchFamily="18" charset="0"/>
+              </a:rPr>
+              <a:t>Разработка программы для прогнозирования временного ряда на основе линейных </a:t>
+            </a:r>
+            <a:r>
+              <a:rPr lang="ru-RU" sz="2000" dirty="0" err="1">
+                <a:latin typeface="Times New Roman" panose="02020603050405020304" pitchFamily="18" charset="0"/>
+                <a:cs typeface="Times New Roman" panose="02020603050405020304" pitchFamily="18" charset="0"/>
+              </a:rPr>
+              <a:t>авторегрессионных</a:t>
+            </a:r>
+            <a:r>
+              <a:rPr lang="ru-RU" sz="2000" dirty="0">
+                <a:latin typeface="Times New Roman" panose="02020603050405020304" pitchFamily="18" charset="0"/>
+                <a:cs typeface="Times New Roman" panose="02020603050405020304" pitchFamily="18" charset="0"/>
+              </a:rPr>
+              <a:t> моделей на основе данных статусов авиаперевозок</a:t>
+            </a:r>
+            <a:r>
+              <a:rPr lang="ru-RU" sz="2000" dirty="0">
                 <a:solidFill>
                   <a:srgbClr val="000000"/>
                 </a:solidFill>
@@ -8857,10 +8878,53 @@
                 <a:latin typeface="Times New Roman" panose="02020603050405020304" pitchFamily="18" charset="0"/>
                 <a:ea typeface="Times New Roman" panose="02020603050405020304" pitchFamily="18" charset="0"/>
               </a:rPr>
+              <a:t>» была достигнута основная цель </a:t>
+            </a:r>
+            <a:r>
+              <a:rPr lang="ru-RU" sz="1800" kern="100" dirty="0">
+                <a:effectLst/>
+                <a:latin typeface="Times New Roman" panose="02020603050405020304" pitchFamily="18" charset="0"/>
+                <a:ea typeface="Calibri" panose="020F0502020204030204" pitchFamily="34" charset="0"/>
+                <a:cs typeface="Mangal" panose="02040503050203030202" pitchFamily="18" charset="0"/>
+              </a:rPr>
+              <a:t>— </a:t>
+            </a:r>
+            <a:r>
+              <a:rPr lang="ru-RU" sz="2000" dirty="0">
+                <a:latin typeface="Times New Roman" panose="02020603050405020304" pitchFamily="18" charset="0"/>
+                <a:cs typeface="Times New Roman" panose="02020603050405020304" pitchFamily="18" charset="0"/>
+              </a:rPr>
+              <a:t>прогнозирования временного ряда на основе линейных </a:t>
+            </a:r>
+            <a:r>
+              <a:rPr lang="ru-RU" sz="2000" dirty="0" err="1">
+                <a:latin typeface="Times New Roman" panose="02020603050405020304" pitchFamily="18" charset="0"/>
+                <a:cs typeface="Times New Roman" panose="02020603050405020304" pitchFamily="18" charset="0"/>
+              </a:rPr>
               <a:t>авторегрессионных</a:t>
             </a:r>
             <a:r>
-              <a:rPr lang="ru-RU" sz="1600" dirty="0">
+              <a:rPr lang="ru-RU" sz="2000" dirty="0">
+                <a:latin typeface="Times New Roman" panose="02020603050405020304" pitchFamily="18" charset="0"/>
+                <a:cs typeface="Times New Roman" panose="02020603050405020304" pitchFamily="18" charset="0"/>
+              </a:rPr>
+              <a:t> моделей.</a:t>
+            </a:r>
+            <a:endParaRPr lang="ru-RU" sz="2000" dirty="0">
+              <a:latin typeface="Times New Roman" panose="02020603050405020304" pitchFamily="18" charset="0"/>
+              <a:ea typeface="Source Sans Pro light" panose="020B0604020202020204" charset="0"/>
+              <a:cs typeface="Times New Roman" panose="02020603050405020304" pitchFamily="18" charset="0"/>
+            </a:endParaRPr>
+          </a:p>
+          <a:p>
+            <a:pPr marL="0" indent="0" algn="just">
+              <a:lnSpc>
+                <a:spcPct val="170000"/>
+              </a:lnSpc>
+              <a:buNone/>
+            </a:pPr>
+            <a:r>
+              <a:rPr lang="ru-RU" sz="2000" dirty="0">
                 <a:solidFill>
                   <a:srgbClr val="000000"/>
                 </a:solidFill>
@@ -8868,45 +8932,75 @@
                 <a:latin typeface="Times New Roman" panose="02020603050405020304" pitchFamily="18" charset="0"/>
                 <a:ea typeface="Times New Roman" panose="02020603050405020304" pitchFamily="18" charset="0"/>
               </a:rPr>
-              <a:t> моделей на данных статусов авиаперевозок. Проведен анализ качества прогнозов, была создана модель, описывающая временный ряд.</a:t>
-            </a:r>
-          </a:p>
-          <a:p>
-            <a:pPr marL="0" indent="0" algn="just">
+              <a:t>Были выполнены следующие задачи:</a:t>
+            </a:r>
+          </a:p>
+          <a:p>
+            <a:pPr marL="447675" indent="273050">
+              <a:tabLst>
+                <a:tab pos="720725" algn="l"/>
+              </a:tabLst>
+            </a:pPr>
+            <a:r>
+              <a:rPr lang="ru-RU" sz="2000" dirty="0">
+                <a:latin typeface="Times New Roman" panose="02020603050405020304" pitchFamily="18" charset="0"/>
+                <a:cs typeface="Times New Roman" panose="02020603050405020304" pitchFamily="18" charset="0"/>
+              </a:rPr>
+              <a:t>анализ и предобработка данных о статусах авиаперевозок;</a:t>
+            </a:r>
+          </a:p>
+          <a:p>
+            <a:pPr marL="447675" indent="273050">
               <a:lnSpc>
-                <a:spcPct val="170000"/>
+                <a:spcPct val="140000"/>
               </a:lnSpc>
-              <a:buNone/>
+              <a:spcBef>
+                <a:spcPts val="800"/>
+              </a:spcBef>
+              <a:tabLst>
+                <a:tab pos="720725" algn="l"/>
+              </a:tabLst>
             </a:pPr>
             <a:r>
-              <a:rPr lang="ru-RU" sz="1600" dirty="0">
-                <a:solidFill>
-                  <a:srgbClr val="000000"/>
-                </a:solidFill>
-                <a:effectLst/>
+              <a:rPr lang="ru-RU" sz="2000" dirty="0">
                 <a:latin typeface="Times New Roman" panose="02020603050405020304" pitchFamily="18" charset="0"/>
-                <a:ea typeface="Times New Roman" panose="02020603050405020304" pitchFamily="18" charset="0"/>
+                <a:cs typeface="Times New Roman" panose="02020603050405020304" pitchFamily="18" charset="0"/>
               </a:rPr>
-              <a:t>Модели класса ARIMA хорошо показывают себя при моделировании временных рядов с выраженной внутренней структурой, но плохо адаптируются к внезапным изменениям тренда.</a:t>
-            </a:r>
-          </a:p>
-          <a:p>
-            <a:pPr marL="0" indent="0" algn="just">
+              <a:t>построение и обучение линейных </a:t>
+            </a:r>
+            <a:r>
+              <a:rPr lang="ru-RU" sz="2000" dirty="0" err="1">
+                <a:latin typeface="Times New Roman" panose="02020603050405020304" pitchFamily="18" charset="0"/>
+                <a:cs typeface="Times New Roman" panose="02020603050405020304" pitchFamily="18" charset="0"/>
+              </a:rPr>
+              <a:t>авторегрессионных</a:t>
+            </a:r>
+            <a:r>
+              <a:rPr lang="ru-RU" sz="2000" dirty="0">
+                <a:latin typeface="Times New Roman" panose="02020603050405020304" pitchFamily="18" charset="0"/>
+                <a:cs typeface="Times New Roman" panose="02020603050405020304" pitchFamily="18" charset="0"/>
+              </a:rPr>
+              <a:t> моделей для прогнозирования временного ряда;</a:t>
+            </a:r>
+          </a:p>
+          <a:p>
+            <a:pPr marL="447675" indent="273050">
               <a:lnSpc>
-                <a:spcPct val="170000"/>
+                <a:spcPct val="140000"/>
               </a:lnSpc>
-              <a:buNone/>
+              <a:spcBef>
+                <a:spcPts val="800"/>
+              </a:spcBef>
+              <a:tabLst>
+                <a:tab pos="720725" algn="l"/>
+              </a:tabLst>
             </a:pPr>
             <a:r>
-              <a:rPr lang="ru-RU" sz="1600" dirty="0">
-                <a:solidFill>
-                  <a:srgbClr val="000000"/>
-                </a:solidFill>
-                <a:effectLst/>
+              <a:rPr lang="ru-RU" sz="2000" dirty="0">
                 <a:latin typeface="Times New Roman" panose="02020603050405020304" pitchFamily="18" charset="0"/>
-                <a:ea typeface="Times New Roman" panose="02020603050405020304" pitchFamily="18" charset="0"/>
+                <a:cs typeface="Times New Roman" panose="02020603050405020304" pitchFamily="18" charset="0"/>
               </a:rPr>
-              <a:t>Статистическое моделирование использует накопленные знания об объекте наблюдения, чтобы воспроизвести и предсказать его дальнейшее поведение. В ситуациях, не имеющих аналогов, моделирование должно строиться на экспертных оценках, что особенно актуально для международных перевозок. Степень неуверенности модели отражается в широкой области доверительного интервала, и эта степень тем ниже, чем меньше влияние внешних переменных и чем больше внутренняя структурированность ряда.</a:t>
+              <a:t>оценка качества прогнозирования;</a:t>
             </a:r>
           </a:p>
         </p:txBody>
@@ -10222,8 +10316,8 @@
           </a:p>
         </p:txBody>
       </p:sp>
-      <mc:AlternateContent xmlns:mc="http://schemas.openxmlformats.org/markup-compatibility/2006">
-        <mc:Choice xmlns:a14="http://schemas.microsoft.com/office/drawing/2010/main" Requires="a14">
+      <mc:AlternateContent xmlns:mc="http://schemas.openxmlformats.org/markup-compatibility/2006" xmlns:a14="http://schemas.microsoft.com/office/drawing/2010/main">
+        <mc:Choice Requires="a14">
           <p:sp>
             <p:nvSpPr>
               <p:cNvPr id="3" name="Объект 2">
@@ -11344,7 +11438,7 @@
             </p:txBody>
           </p:sp>
         </mc:Choice>
-        <mc:Fallback>
+        <mc:Fallback xmlns="">
           <p:sp>
             <p:nvSpPr>
               <p:cNvPr id="3" name="Объект 2">
@@ -11498,8 +11592,8 @@
           </a:p>
         </p:txBody>
       </p:sp>
-      <mc:AlternateContent xmlns:mc="http://schemas.openxmlformats.org/markup-compatibility/2006">
-        <mc:Choice xmlns:a14="http://schemas.microsoft.com/office/drawing/2010/main" Requires="a14">
+      <mc:AlternateContent xmlns:mc="http://schemas.openxmlformats.org/markup-compatibility/2006" xmlns:a14="http://schemas.microsoft.com/office/drawing/2010/main">
+        <mc:Choice Requires="a14">
           <p:sp>
             <p:nvSpPr>
               <p:cNvPr id="3" name="Объект 2">
@@ -12119,7 +12213,7 @@
             </p:txBody>
           </p:sp>
         </mc:Choice>
-        <mc:Fallback>
+        <mc:Fallback xmlns="">
           <p:sp>
             <p:nvSpPr>
               <p:cNvPr id="3" name="Объект 2">
@@ -12159,6 +12253,53 @@
           </p:sp>
         </mc:Fallback>
       </mc:AlternateContent>
+      <p:pic>
+        <p:nvPicPr>
+          <p:cNvPr id="4" name="Picture 8" descr="https://upload.wikimedia.org/wikipedia/commons/9/93/MIREA_logo.png">
+            <a:extLst>
+              <a:ext uri="{FF2B5EF4-FFF2-40B4-BE49-F238E27FC236}">
+                <a16:creationId xmlns:a16="http://schemas.microsoft.com/office/drawing/2014/main" id="{0F20762A-424A-6C52-1A76-F76BD21ABD82}"/>
+              </a:ext>
+            </a:extLst>
+          </p:cNvPr>
+          <p:cNvPicPr>
+            <a:picLocks noChangeAspect="1" noChangeArrowheads="1"/>
+          </p:cNvPicPr>
+          <p:nvPr/>
+        </p:nvPicPr>
+        <p:blipFill>
+          <a:blip r:embed="rId3" cstate="print">
+            <a:extLst>
+              <a:ext uri="{28A0092B-C50C-407E-A947-70E740481C1C}">
+                <a14:useLocalDpi xmlns:a14="http://schemas.microsoft.com/office/drawing/2010/main" val="0"/>
+              </a:ext>
+            </a:extLst>
+          </a:blip>
+          <a:srcRect/>
+          <a:stretch>
+            <a:fillRect/>
+          </a:stretch>
+        </p:blipFill>
+        <p:spPr bwMode="auto">
+          <a:xfrm>
+            <a:off x="10799117" y="1"/>
+            <a:ext cx="1391296" cy="1391800"/>
+          </a:xfrm>
+          <a:prstGeom prst="rect">
+            <a:avLst/>
+          </a:prstGeom>
+          <a:noFill/>
+          <a:extLst>
+            <a:ext uri="{909E8E84-426E-40DD-AFC4-6F175D3DCCD1}">
+              <a14:hiddenFill xmlns:a14="http://schemas.microsoft.com/office/drawing/2010/main">
+                <a:solidFill>
+                  <a:srgbClr val="FFFFFF"/>
+                </a:solidFill>
+              </a14:hiddenFill>
+            </a:ext>
+          </a:extLst>
+        </p:spPr>
+      </p:pic>
     </p:spTree>
     <p:extLst>
       <p:ext uri="{BB962C8B-B14F-4D97-AF65-F5344CB8AC3E}">
@@ -12242,8 +12383,8 @@
           </a:p>
         </p:txBody>
       </p:sp>
-      <mc:AlternateContent xmlns:mc="http://schemas.openxmlformats.org/markup-compatibility/2006">
-        <mc:Choice xmlns:a14="http://schemas.microsoft.com/office/drawing/2010/main" Requires="a14">
+      <mc:AlternateContent xmlns:mc="http://schemas.openxmlformats.org/markup-compatibility/2006" xmlns:a14="http://schemas.microsoft.com/office/drawing/2010/main">
+        <mc:Choice Requires="a14">
           <p:sp>
             <p:nvSpPr>
               <p:cNvPr id="3" name="Объект 2">
@@ -13166,7 +13307,7 @@
             </p:txBody>
           </p:sp>
         </mc:Choice>
-        <mc:Fallback>
+        <mc:Fallback xmlns="">
           <p:sp>
             <p:nvSpPr>
               <p:cNvPr id="3" name="Объект 2">
@@ -13323,8 +13464,8 @@
           </a:p>
         </p:txBody>
       </p:sp>
-      <mc:AlternateContent xmlns:mc="http://schemas.openxmlformats.org/markup-compatibility/2006">
-        <mc:Choice xmlns:a14="http://schemas.microsoft.com/office/drawing/2010/main" Requires="a14">
+      <mc:AlternateContent xmlns:mc="http://schemas.openxmlformats.org/markup-compatibility/2006" xmlns:a14="http://schemas.microsoft.com/office/drawing/2010/main">
+        <mc:Choice Requires="a14">
           <p:sp>
             <p:nvSpPr>
               <p:cNvPr id="3" name="Объект 2">
@@ -13918,7 +14059,7 @@
             </p:txBody>
           </p:sp>
         </mc:Choice>
-        <mc:Fallback>
+        <mc:Fallback xmlns="">
           <p:sp>
             <p:nvSpPr>
               <p:cNvPr id="3" name="Объект 2">
